--- a/BOB_Sample_PPt_Template.pptx
+++ b/BOB_Sample_PPt_Template.pptx
@@ -276,7 +276,7 @@
       <p15:sldGuideLst xmlns:p15="http://schemas.microsoft.com/office/powerpoint/2012/main"/>
     </p:ext>
     <p:ext uri="http://customooxmlschemas.google.com/">
-      <go:slidesCustomData xmlns="" xmlns:mc="http://schemas.openxmlformats.org/markup-compatibility/2006" xmlns:mv="urn:schemas-microsoft-com:mac:vml" xmlns:c="http://schemas.openxmlformats.org/drawingml/2006/chart" xmlns:dgm="http://schemas.openxmlformats.org/drawingml/2006/diagram" xmlns:o="urn:schemas-microsoft-com:office:office" xmlns:v="urn:schemas-microsoft-com:vml" xmlns:pvml="urn:schemas-microsoft-com:office:powerpoint" xmlns:com="http://schemas.openxmlformats.org/drawingml/2006/compatibility" xmlns:p14="http://schemas.microsoft.com/office/powerpoint/2010/main" xmlns:p15="http://schemas.microsoft.com/office/powerpoint/2012/main" xmlns:ahyp="http://schemas.microsoft.com/office/drawing/2018/hyperlinkcolor" xmlns:go="http://customooxmlschemas.google.com/" r:id="rId23" roundtripDataSignature="AMtx7mg4ID0MW+58A5oAZz0iuzSAYbU9/A=="/>
+      <go:slidesCustomData xmlns:go="http://customooxmlschemas.google.com/" xmlns:ahyp="http://schemas.microsoft.com/office/drawing/2018/hyperlinkcolor" xmlns:p15="http://schemas.microsoft.com/office/powerpoint/2012/main" xmlns:p14="http://schemas.microsoft.com/office/powerpoint/2010/main" xmlns:com="http://schemas.openxmlformats.org/drawingml/2006/compatibility" xmlns:pvml="urn:schemas-microsoft-com:office:powerpoint" xmlns:v="urn:schemas-microsoft-com:vml" xmlns:o="urn:schemas-microsoft-com:office:office" xmlns:dgm="http://schemas.openxmlformats.org/drawingml/2006/diagram" xmlns:c="http://schemas.openxmlformats.org/drawingml/2006/chart" xmlns:mv="urn:schemas-microsoft-com:mac:vml" xmlns:mc="http://schemas.openxmlformats.org/markup-compatibility/2006" xmlns="" r:id="rId23" roundtripDataSignature="AMtx7mg4ID0MW+58A5oAZz0iuzSAYbU9/A=="/>
     </p:ext>
   </p:extLst>
 </p:presentation>
@@ -36855,7 +36855,7 @@
               <a:buNone/>
             </a:pPr>
             <a:r>
-              <a:rPr lang="en" sz="2000">
+              <a:rPr lang="en" sz="2000" dirty="0">
                 <a:solidFill>
                   <a:srgbClr val="222222"/>
                 </a:solidFill>
@@ -36865,7 +36865,7 @@
               </a:rPr>
               <a:t>Key Differentiators &amp; Adoption Plan</a:t>
             </a:r>
-            <a:endParaRPr sz="2000"/>
+            <a:endParaRPr sz="2000" dirty="0"/>
           </a:p>
         </p:txBody>
       </p:sp>
@@ -36912,7 +36912,7 @@
               <a:buNone/>
             </a:pPr>
             <a:r>
-              <a:rPr lang="en" sz="1400" b="0" i="0" u="none" strike="noStrike" cap="none">
+              <a:rPr lang="en" sz="1400" b="0" i="0" u="none" strike="noStrike" cap="none" dirty="0">
                 <a:solidFill>
                   <a:srgbClr val="222222"/>
                 </a:solidFill>
@@ -36926,7 +36926,425 @@
               </a:rPr>
               <a:t>How is your solution better than alternatives and how do you plan to build adoption?</a:t>
             </a:r>
-            <a:endParaRPr sz="1400" b="0" i="0" u="none" strike="noStrike" cap="none">
+          </a:p>
+          <a:p>
+            <a:pPr marL="0" marR="0" lvl="0" indent="0" algn="l" rtl="0">
+              <a:lnSpc>
+                <a:spcPct val="100000"/>
+              </a:lnSpc>
+              <a:spcBef>
+                <a:spcPts val="0"/>
+              </a:spcBef>
+              <a:spcAft>
+                <a:spcPts val="0"/>
+              </a:spcAft>
+              <a:buClr>
+                <a:srgbClr val="000000"/>
+              </a:buClr>
+              <a:buSzPts val="1400"/>
+              <a:buFont typeface="Arial"/>
+              <a:buNone/>
+            </a:pPr>
+            <a:endParaRPr lang="en" dirty="0">
+              <a:solidFill>
+                <a:srgbClr val="222222"/>
+              </a:solidFill>
+              <a:highlight>
+                <a:srgbClr val="FFFFFF"/>
+              </a:highlight>
+              <a:latin typeface="Lato"/>
+              <a:ea typeface="Lato"/>
+              <a:cs typeface="Lato"/>
+              <a:sym typeface="Lato"/>
+            </a:endParaRPr>
+          </a:p>
+          <a:p>
+            <a:pPr marL="0" marR="0" lvl="0" indent="0" algn="l" rtl="0">
+              <a:lnSpc>
+                <a:spcPct val="100000"/>
+              </a:lnSpc>
+              <a:spcBef>
+                <a:spcPts val="0"/>
+              </a:spcBef>
+              <a:spcAft>
+                <a:spcPts val="0"/>
+              </a:spcAft>
+              <a:buClr>
+                <a:srgbClr val="000000"/>
+              </a:buClr>
+              <a:buSzPts val="1400"/>
+              <a:buFont typeface="Arial"/>
+              <a:buNone/>
+            </a:pPr>
+            <a:r>
+              <a:rPr lang="en" sz="1400" b="0" i="0" u="none" strike="noStrike" cap="none" dirty="0">
+                <a:solidFill>
+                  <a:srgbClr val="222222"/>
+                </a:solidFill>
+                <a:highlight>
+                  <a:srgbClr val="FFFFFF"/>
+                </a:highlight>
+                <a:latin typeface="Lato"/>
+                <a:ea typeface="Lato"/>
+                <a:cs typeface="Lato"/>
+                <a:sym typeface="Lato"/>
+              </a:rPr>
+              <a:t>Below are the key features of this solution.</a:t>
+            </a:r>
+          </a:p>
+          <a:p>
+            <a:pPr marL="285750" marR="0" lvl="0" indent="-285750" algn="l" rtl="0">
+              <a:lnSpc>
+                <a:spcPct val="100000"/>
+              </a:lnSpc>
+              <a:spcBef>
+                <a:spcPts val="0"/>
+              </a:spcBef>
+              <a:spcAft>
+                <a:spcPts val="0"/>
+              </a:spcAft>
+              <a:buClr>
+                <a:srgbClr val="000000"/>
+              </a:buClr>
+              <a:buSzPts val="1400"/>
+              <a:buFont typeface="Arial" panose="020B0604020202020204" pitchFamily="34" charset="0"/>
+              <a:buChar char="•"/>
+            </a:pPr>
+            <a:r>
+              <a:rPr lang="en" dirty="0">
+                <a:solidFill>
+                  <a:srgbClr val="222222"/>
+                </a:solidFill>
+                <a:highlight>
+                  <a:srgbClr val="FFFFFF"/>
+                </a:highlight>
+                <a:latin typeface="Lato"/>
+                <a:ea typeface="Lato"/>
+                <a:cs typeface="Lato"/>
+                <a:sym typeface="Lato"/>
+              </a:rPr>
+              <a:t>Central data repository of all the captured videos. This enables analytics of each branch.</a:t>
+            </a:r>
+          </a:p>
+          <a:p>
+            <a:pPr marL="285750" marR="0" lvl="0" indent="-285750" algn="l" rtl="0">
+              <a:lnSpc>
+                <a:spcPct val="100000"/>
+              </a:lnSpc>
+              <a:spcBef>
+                <a:spcPts val="0"/>
+              </a:spcBef>
+              <a:spcAft>
+                <a:spcPts val="0"/>
+              </a:spcAft>
+              <a:buClr>
+                <a:srgbClr val="000000"/>
+              </a:buClr>
+              <a:buSzPts val="1400"/>
+              <a:buFont typeface="Arial" panose="020B0604020202020204" pitchFamily="34" charset="0"/>
+              <a:buChar char="•"/>
+            </a:pPr>
+            <a:r>
+              <a:rPr lang="en" sz="1400" b="0" i="0" u="none" strike="noStrike" cap="none" dirty="0">
+                <a:solidFill>
+                  <a:srgbClr val="222222"/>
+                </a:solidFill>
+                <a:highlight>
+                  <a:srgbClr val="FFFFFF"/>
+                </a:highlight>
+                <a:latin typeface="Lato"/>
+                <a:ea typeface="Lato"/>
+                <a:cs typeface="Lato"/>
+                <a:sym typeface="Lato"/>
+              </a:rPr>
+              <a:t>The video stream can be analysed for the presence of staffs, customers. KPIs like number of staffs, customers, unknown faces (not matched as per the system).</a:t>
+            </a:r>
+          </a:p>
+          <a:p>
+            <a:pPr marL="285750" marR="0" lvl="0" indent="-285750" algn="l" rtl="0">
+              <a:lnSpc>
+                <a:spcPct val="100000"/>
+              </a:lnSpc>
+              <a:spcBef>
+                <a:spcPts val="0"/>
+              </a:spcBef>
+              <a:spcAft>
+                <a:spcPts val="0"/>
+              </a:spcAft>
+              <a:buClr>
+                <a:srgbClr val="000000"/>
+              </a:buClr>
+              <a:buSzPts val="1400"/>
+              <a:buFont typeface="Arial" panose="020B0604020202020204" pitchFamily="34" charset="0"/>
+              <a:buChar char="•"/>
+            </a:pPr>
+            <a:r>
+              <a:rPr lang="en" dirty="0">
+                <a:solidFill>
+                  <a:srgbClr val="222222"/>
+                </a:solidFill>
+                <a:highlight>
+                  <a:srgbClr val="FFFFFF"/>
+                </a:highlight>
+                <a:latin typeface="Lato"/>
+                <a:ea typeface="Lato"/>
+                <a:cs typeface="Lato"/>
+                <a:sym typeface="Lato"/>
+              </a:rPr>
+              <a:t>Alerts can be sent for any suspicious activity during off operational hours.</a:t>
+            </a:r>
+          </a:p>
+          <a:p>
+            <a:pPr marL="285750" marR="0" lvl="0" indent="-285750" algn="l" rtl="0">
+              <a:lnSpc>
+                <a:spcPct val="100000"/>
+              </a:lnSpc>
+              <a:spcBef>
+                <a:spcPts val="0"/>
+              </a:spcBef>
+              <a:spcAft>
+                <a:spcPts val="0"/>
+              </a:spcAft>
+              <a:buClr>
+                <a:srgbClr val="000000"/>
+              </a:buClr>
+              <a:buSzPts val="1400"/>
+              <a:buFont typeface="Arial" panose="020B0604020202020204" pitchFamily="34" charset="0"/>
+              <a:buChar char="•"/>
+            </a:pPr>
+            <a:r>
+              <a:rPr lang="en" sz="1400" b="0" i="0" u="none" strike="noStrike" cap="none" dirty="0">
+                <a:solidFill>
+                  <a:srgbClr val="222222"/>
+                </a:solidFill>
+                <a:highlight>
+                  <a:srgbClr val="FFFFFF"/>
+                </a:highlight>
+                <a:latin typeface="Lato"/>
+                <a:ea typeface="Lato"/>
+                <a:cs typeface="Lato"/>
+                <a:sym typeface="Lato"/>
+              </a:rPr>
+              <a:t>In case of emergency the specific </a:t>
+            </a:r>
+            <a:r>
+              <a:rPr lang="en" dirty="0">
+                <a:solidFill>
+                  <a:srgbClr val="222222"/>
+                </a:solidFill>
+                <a:highlight>
+                  <a:srgbClr val="FFFFFF"/>
+                </a:highlight>
+                <a:latin typeface="Lato"/>
+                <a:ea typeface="Lato"/>
+                <a:cs typeface="Lato"/>
+                <a:sym typeface="Lato"/>
+              </a:rPr>
+              <a:t>risk codes can be captured like red color lights to be light up to let the remote team know about risky situation.</a:t>
+            </a:r>
+          </a:p>
+          <a:p>
+            <a:pPr marL="285750" marR="0" lvl="0" indent="-285750" algn="l" rtl="0">
+              <a:lnSpc>
+                <a:spcPct val="100000"/>
+              </a:lnSpc>
+              <a:spcBef>
+                <a:spcPts val="0"/>
+              </a:spcBef>
+              <a:spcAft>
+                <a:spcPts val="0"/>
+              </a:spcAft>
+              <a:buClr>
+                <a:srgbClr val="000000"/>
+              </a:buClr>
+              <a:buSzPts val="1400"/>
+              <a:buFont typeface="Arial" panose="020B0604020202020204" pitchFamily="34" charset="0"/>
+              <a:buChar char="•"/>
+            </a:pPr>
+            <a:r>
+              <a:rPr lang="en" sz="1400" b="0" i="0" u="none" strike="noStrike" cap="none" dirty="0">
+                <a:solidFill>
+                  <a:srgbClr val="222222"/>
+                </a:solidFill>
+                <a:highlight>
+                  <a:srgbClr val="FFFFFF"/>
+                </a:highlight>
+                <a:latin typeface="Lato"/>
+                <a:ea typeface="Lato"/>
+                <a:cs typeface="Lato"/>
+                <a:sym typeface="Lato"/>
+              </a:rPr>
+              <a:t>The staff management can be improved b</a:t>
+            </a:r>
+            <a:r>
+              <a:rPr lang="en" dirty="0">
+                <a:solidFill>
+                  <a:srgbClr val="222222"/>
+                </a:solidFill>
+                <a:highlight>
+                  <a:srgbClr val="FFFFFF"/>
+                </a:highlight>
+                <a:latin typeface="Lato"/>
+                <a:ea typeface="Lato"/>
+                <a:cs typeface="Lato"/>
+                <a:sym typeface="Lato"/>
+              </a:rPr>
+              <a:t>ased on the number of customers visit to the branch.</a:t>
+            </a:r>
+          </a:p>
+          <a:p>
+            <a:pPr marL="285750" marR="0" lvl="0" indent="-285750" algn="l" rtl="0">
+              <a:lnSpc>
+                <a:spcPct val="100000"/>
+              </a:lnSpc>
+              <a:spcBef>
+                <a:spcPts val="0"/>
+              </a:spcBef>
+              <a:spcAft>
+                <a:spcPts val="0"/>
+              </a:spcAft>
+              <a:buClr>
+                <a:srgbClr val="000000"/>
+              </a:buClr>
+              <a:buSzPts val="1400"/>
+              <a:buFont typeface="Arial" panose="020B0604020202020204" pitchFamily="34" charset="0"/>
+              <a:buChar char="•"/>
+            </a:pPr>
+            <a:r>
+              <a:rPr lang="en" sz="1400" b="0" i="0" u="none" strike="noStrike" cap="none" dirty="0">
+                <a:solidFill>
+                  <a:srgbClr val="222222"/>
+                </a:solidFill>
+                <a:highlight>
+                  <a:srgbClr val="FFFFFF"/>
+                </a:highlight>
+                <a:latin typeface="Lato"/>
+                <a:ea typeface="Lato"/>
+                <a:cs typeface="Lato"/>
+                <a:sym typeface="Lato"/>
+              </a:rPr>
+              <a:t>All the bank branches can be aware / alert for any situation of any branch.</a:t>
+            </a:r>
+          </a:p>
+          <a:p>
+            <a:pPr marL="285750" marR="0" lvl="0" indent="-285750" algn="l" rtl="0">
+              <a:lnSpc>
+                <a:spcPct val="100000"/>
+              </a:lnSpc>
+              <a:spcBef>
+                <a:spcPts val="0"/>
+              </a:spcBef>
+              <a:spcAft>
+                <a:spcPts val="0"/>
+              </a:spcAft>
+              <a:buClr>
+                <a:srgbClr val="000000"/>
+              </a:buClr>
+              <a:buSzPts val="1400"/>
+              <a:buFont typeface="Arial" panose="020B0604020202020204" pitchFamily="34" charset="0"/>
+              <a:buChar char="•"/>
+            </a:pPr>
+            <a:r>
+              <a:rPr lang="en" dirty="0">
+                <a:solidFill>
+                  <a:srgbClr val="222222"/>
+                </a:solidFill>
+                <a:highlight>
+                  <a:srgbClr val="FFFFFF"/>
+                </a:highlight>
+                <a:latin typeface="Lato"/>
+                <a:ea typeface="Lato"/>
+                <a:cs typeface="Lato"/>
+                <a:sym typeface="Lato"/>
+              </a:rPr>
+              <a:t>There can be various analytics can be extracted like</a:t>
+            </a:r>
+          </a:p>
+          <a:p>
+            <a:pPr marL="285750" lvl="8" indent="-285750">
+              <a:buSzPts val="1400"/>
+              <a:buFont typeface="Arial" panose="020B0604020202020204" pitchFamily="34" charset="0"/>
+              <a:buChar char="•"/>
+            </a:pPr>
+            <a:r>
+              <a:rPr lang="en" b="0" i="0" u="none" strike="noStrike" cap="none" dirty="0">
+                <a:solidFill>
+                  <a:srgbClr val="222222"/>
+                </a:solidFill>
+                <a:highlight>
+                  <a:srgbClr val="FFFFFF"/>
+                </a:highlight>
+                <a:latin typeface="Lato"/>
+                <a:ea typeface="Lato"/>
+                <a:cs typeface="Lato"/>
+                <a:sym typeface="Lato"/>
+              </a:rPr>
+              <a:t>Sentimental analysis of a customer – the sentiment of a customer from face and expression analysis</a:t>
+            </a:r>
+          </a:p>
+          <a:p>
+            <a:pPr marL="285750" lvl="8" indent="-285750">
+              <a:buSzPts val="1400"/>
+              <a:buFont typeface="Arial" panose="020B0604020202020204" pitchFamily="34" charset="0"/>
+              <a:buChar char="•"/>
+            </a:pPr>
+            <a:r>
+              <a:rPr lang="en" dirty="0">
+                <a:solidFill>
+                  <a:srgbClr val="222222"/>
+                </a:solidFill>
+                <a:highlight>
+                  <a:srgbClr val="FFFFFF"/>
+                </a:highlight>
+                <a:latin typeface="Lato"/>
+                <a:ea typeface="Lato"/>
+                <a:cs typeface="Lato"/>
+                <a:sym typeface="Lato"/>
+              </a:rPr>
+              <a:t>Multi Lingual support – It may happen that the customer reaches to a branch where the staffs are not comfortable with the language. The Speech to Text can address the concern of a customer.</a:t>
+            </a:r>
+          </a:p>
+          <a:p>
+            <a:pPr marL="285750" lvl="8" indent="-285750">
+              <a:buSzPts val="1400"/>
+              <a:buFont typeface="Arial" panose="020B0604020202020204" pitchFamily="34" charset="0"/>
+              <a:buChar char="•"/>
+            </a:pPr>
+            <a:r>
+              <a:rPr lang="en" dirty="0">
+                <a:solidFill>
+                  <a:srgbClr val="222222"/>
+                </a:solidFill>
+                <a:highlight>
+                  <a:srgbClr val="FFFFFF"/>
+                </a:highlight>
+                <a:latin typeface="Lato"/>
+                <a:ea typeface="Lato"/>
+                <a:cs typeface="Lato"/>
+                <a:sym typeface="Lato"/>
+              </a:rPr>
+              <a:t>Often it occurs the customers are not aware of all the services or location of branch (like loan process, savings etc). The video analytics can help in self serving mode by communicating to device</a:t>
+            </a:r>
+            <a:endParaRPr lang="en" b="0" i="0" u="none" strike="noStrike" cap="none" dirty="0">
+              <a:solidFill>
+                <a:srgbClr val="222222"/>
+              </a:solidFill>
+              <a:highlight>
+                <a:srgbClr val="FFFFFF"/>
+              </a:highlight>
+              <a:latin typeface="Lato"/>
+              <a:ea typeface="Lato"/>
+              <a:cs typeface="Lato"/>
+              <a:sym typeface="Lato"/>
+            </a:endParaRPr>
+          </a:p>
+          <a:p>
+            <a:pPr marL="285750" lvl="7" indent="-285750">
+              <a:buSzPts val="1400"/>
+              <a:buFont typeface="Arial" panose="020B0604020202020204" pitchFamily="34" charset="0"/>
+              <a:buChar char="•"/>
+            </a:pPr>
+            <a:endParaRPr b="0" i="0" u="none" strike="noStrike" cap="none" dirty="0">
               <a:solidFill>
                 <a:srgbClr val="000000"/>
               </a:solidFill>
@@ -37053,7 +37471,7 @@
         <p:spPr>
           <a:xfrm>
             <a:off x="0" y="1044150"/>
-            <a:ext cx="8386200" cy="400200"/>
+            <a:ext cx="8386200" cy="1046410"/>
           </a:xfrm>
           <a:prstGeom prst="rect">
             <a:avLst/>
@@ -37087,7 +37505,7 @@
               <a:buNone/>
             </a:pPr>
             <a:r>
-              <a:rPr lang="en" sz="1400" b="0" i="0" u="none" strike="noStrike" cap="none">
+              <a:rPr lang="en" sz="1400" b="0" i="0" u="none" strike="noStrike" cap="none" dirty="0">
                 <a:solidFill>
                   <a:srgbClr val="222222"/>
                 </a:solidFill>
@@ -37101,7 +37519,101 @@
               </a:rPr>
               <a:t>How far it can go?</a:t>
             </a:r>
-            <a:endParaRPr sz="1400" b="0" i="0" u="none" strike="noStrike" cap="none">
+          </a:p>
+          <a:p>
+            <a:pPr marL="0" marR="0" lvl="0" indent="0" algn="l" rtl="0">
+              <a:lnSpc>
+                <a:spcPct val="100000"/>
+              </a:lnSpc>
+              <a:spcBef>
+                <a:spcPts val="0"/>
+              </a:spcBef>
+              <a:spcAft>
+                <a:spcPts val="0"/>
+              </a:spcAft>
+              <a:buClr>
+                <a:srgbClr val="000000"/>
+              </a:buClr>
+              <a:buSzPts val="1400"/>
+              <a:buFont typeface="Arial"/>
+              <a:buNone/>
+            </a:pPr>
+            <a:endParaRPr lang="en" dirty="0">
+              <a:solidFill>
+                <a:srgbClr val="222222"/>
+              </a:solidFill>
+              <a:highlight>
+                <a:srgbClr val="FFFFFF"/>
+              </a:highlight>
+              <a:latin typeface="Lato"/>
+              <a:ea typeface="Lato"/>
+              <a:cs typeface="Lato"/>
+              <a:sym typeface="Lato"/>
+            </a:endParaRPr>
+          </a:p>
+          <a:p>
+            <a:pPr marL="0" marR="0" lvl="0" indent="0" algn="l" rtl="0">
+              <a:lnSpc>
+                <a:spcPct val="100000"/>
+              </a:lnSpc>
+              <a:spcBef>
+                <a:spcPts val="0"/>
+              </a:spcBef>
+              <a:spcAft>
+                <a:spcPts val="0"/>
+              </a:spcAft>
+              <a:buClr>
+                <a:srgbClr val="000000"/>
+              </a:buClr>
+              <a:buSzPts val="1400"/>
+              <a:buFont typeface="Arial"/>
+              <a:buNone/>
+            </a:pPr>
+            <a:r>
+              <a:rPr lang="en" dirty="0">
+                <a:solidFill>
+                  <a:srgbClr val="222222"/>
+                </a:solidFill>
+                <a:highlight>
+                  <a:srgbClr val="FFFFFF"/>
+                </a:highlight>
+                <a:latin typeface="Lato"/>
+                <a:ea typeface="Lato"/>
+                <a:cs typeface="Lato"/>
+                <a:sym typeface="Lato"/>
+              </a:rPr>
+              <a:t>Now a days a camera is not just a </a:t>
+            </a:r>
+            <a:r>
+              <a:rPr lang="en-IN" dirty="0">
+                <a:solidFill>
+                  <a:srgbClr val="222222"/>
+                </a:solidFill>
+                <a:highlight>
+                  <a:srgbClr val="FFFFFF"/>
+                </a:highlight>
+                <a:latin typeface="Lato"/>
+                <a:ea typeface="Lato"/>
+                <a:cs typeface="Lato"/>
+              </a:rPr>
+              <a:t>surveillance</a:t>
+            </a:r>
+            <a:r>
+              <a:rPr lang="en" dirty="0">
+                <a:solidFill>
+                  <a:srgbClr val="222222"/>
+                </a:solidFill>
+                <a:highlight>
+                  <a:srgbClr val="FFFFFF"/>
+                </a:highlight>
+                <a:latin typeface="Lato"/>
+                <a:ea typeface="Lato"/>
+                <a:cs typeface="Lato"/>
+                <a:sym typeface="Lato"/>
+              </a:rPr>
+              <a:t> device, but also gets more information about the person, a medium for communication </a:t>
+            </a:r>
+            <a:endParaRPr sz="1400" b="0" i="0" u="none" strike="noStrike" cap="none" dirty="0">
               <a:solidFill>
                 <a:srgbClr val="000000"/>
               </a:solidFill>
@@ -37110,6 +37622,2094 @@
               <a:cs typeface="Lato"/>
               <a:sym typeface="Lato"/>
             </a:endParaRPr>
+          </a:p>
+        </p:txBody>
+      </p:sp>
+      <p:sp>
+        <p:nvSpPr>
+          <p:cNvPr id="2" name="Rectangle 1">
+            <a:extLst>
+              <a:ext uri="{FF2B5EF4-FFF2-40B4-BE49-F238E27FC236}">
+                <a16:creationId xmlns:a16="http://schemas.microsoft.com/office/drawing/2014/main" id="{AE8F10E4-74DA-4791-AA7B-E3E13258ED7F}"/>
+              </a:ext>
+            </a:extLst>
+          </p:cNvPr>
+          <p:cNvSpPr/>
+          <p:nvPr/>
+        </p:nvSpPr>
+        <p:spPr>
+          <a:xfrm>
+            <a:off x="311020" y="2158482"/>
+            <a:ext cx="5766320" cy="2743200"/>
+          </a:xfrm>
+          <a:prstGeom prst="rect">
+            <a:avLst/>
+          </a:prstGeom>
+          <a:solidFill>
+            <a:schemeClr val="bg1">
+              <a:lumMod val="85000"/>
+            </a:schemeClr>
+          </a:solidFill>
+          <a:ln>
+            <a:noFill/>
+          </a:ln>
+        </p:spPr>
+        <p:style>
+          <a:lnRef idx="2">
+            <a:schemeClr val="accent1">
+              <a:shade val="50000"/>
+            </a:schemeClr>
+          </a:lnRef>
+          <a:fillRef idx="1">
+            <a:schemeClr val="accent1"/>
+          </a:fillRef>
+          <a:effectRef idx="0">
+            <a:schemeClr val="accent1"/>
+          </a:effectRef>
+          <a:fontRef idx="minor">
+            <a:schemeClr val="lt1"/>
+          </a:fontRef>
+        </p:style>
+        <p:txBody>
+          <a:bodyPr rtlCol="0" anchor="ctr"/>
+          <a:lstStyle/>
+          <a:p>
+            <a:pPr algn="ctr"/>
+            <a:endParaRPr lang="en-IN"/>
+          </a:p>
+        </p:txBody>
+      </p:sp>
+      <p:sp>
+        <p:nvSpPr>
+          <p:cNvPr id="3" name="Rectangle 2">
+            <a:extLst>
+              <a:ext uri="{FF2B5EF4-FFF2-40B4-BE49-F238E27FC236}">
+                <a16:creationId xmlns:a16="http://schemas.microsoft.com/office/drawing/2014/main" id="{4CC00C9A-B59D-C614-1689-5D61CF556733}"/>
+              </a:ext>
+            </a:extLst>
+          </p:cNvPr>
+          <p:cNvSpPr/>
+          <p:nvPr/>
+        </p:nvSpPr>
+        <p:spPr>
+          <a:xfrm>
+            <a:off x="422988" y="2326432"/>
+            <a:ext cx="1324947" cy="534955"/>
+          </a:xfrm>
+          <a:prstGeom prst="rect">
+            <a:avLst/>
+          </a:prstGeom>
+          <a:solidFill>
+            <a:schemeClr val="bg1"/>
+          </a:solidFill>
+          <a:ln>
+            <a:noFill/>
+          </a:ln>
+        </p:spPr>
+        <p:style>
+          <a:lnRef idx="2">
+            <a:schemeClr val="accent1">
+              <a:shade val="50000"/>
+            </a:schemeClr>
+          </a:lnRef>
+          <a:fillRef idx="1">
+            <a:schemeClr val="accent1"/>
+          </a:fillRef>
+          <a:effectRef idx="0">
+            <a:schemeClr val="accent1"/>
+          </a:effectRef>
+          <a:fontRef idx="minor">
+            <a:schemeClr val="lt1"/>
+          </a:fontRef>
+        </p:style>
+        <p:txBody>
+          <a:bodyPr rtlCol="0" anchor="ctr"/>
+          <a:lstStyle/>
+          <a:p>
+            <a:pPr algn="ctr"/>
+            <a:endParaRPr lang="en-IN"/>
+          </a:p>
+        </p:txBody>
+      </p:sp>
+      <p:sp>
+        <p:nvSpPr>
+          <p:cNvPr id="4" name="TextBox 3">
+            <a:extLst>
+              <a:ext uri="{FF2B5EF4-FFF2-40B4-BE49-F238E27FC236}">
+                <a16:creationId xmlns:a16="http://schemas.microsoft.com/office/drawing/2014/main" id="{BD854C5C-0DA6-ECC9-8FF4-F76A12D21B0F}"/>
+              </a:ext>
+            </a:extLst>
+          </p:cNvPr>
+          <p:cNvSpPr txBox="1"/>
+          <p:nvPr/>
+        </p:nvSpPr>
+        <p:spPr>
+          <a:xfrm>
+            <a:off x="422987" y="2347688"/>
+            <a:ext cx="1324947" cy="246221"/>
+          </a:xfrm>
+          <a:prstGeom prst="rect">
+            <a:avLst/>
+          </a:prstGeom>
+          <a:noFill/>
+        </p:spPr>
+        <p:txBody>
+          <a:bodyPr wrap="square" rtlCol="0">
+            <a:spAutoFit/>
+          </a:bodyPr>
+          <a:lstStyle/>
+          <a:p>
+            <a:pPr algn="ctr"/>
+            <a:r>
+              <a:rPr lang="en-IN" sz="1000" dirty="0"/>
+              <a:t># of Current People</a:t>
+            </a:r>
+          </a:p>
+        </p:txBody>
+      </p:sp>
+      <p:sp>
+        <p:nvSpPr>
+          <p:cNvPr id="5" name="TextBox 4">
+            <a:extLst>
+              <a:ext uri="{FF2B5EF4-FFF2-40B4-BE49-F238E27FC236}">
+                <a16:creationId xmlns:a16="http://schemas.microsoft.com/office/drawing/2014/main" id="{8921531F-339F-1AD4-B4A5-20A0D4051623}"/>
+              </a:ext>
+            </a:extLst>
+          </p:cNvPr>
+          <p:cNvSpPr txBox="1"/>
+          <p:nvPr/>
+        </p:nvSpPr>
+        <p:spPr>
+          <a:xfrm>
+            <a:off x="422986" y="2571750"/>
+            <a:ext cx="1324947" cy="276999"/>
+          </a:xfrm>
+          <a:prstGeom prst="rect">
+            <a:avLst/>
+          </a:prstGeom>
+          <a:noFill/>
+        </p:spPr>
+        <p:txBody>
+          <a:bodyPr wrap="square" rtlCol="0">
+            <a:spAutoFit/>
+          </a:bodyPr>
+          <a:lstStyle/>
+          <a:p>
+            <a:pPr algn="ctr"/>
+            <a:r>
+              <a:rPr lang="en-IN" sz="1200" dirty="0"/>
+              <a:t>96</a:t>
+            </a:r>
+          </a:p>
+        </p:txBody>
+      </p:sp>
+      <p:sp>
+        <p:nvSpPr>
+          <p:cNvPr id="6" name="Rectangle 5">
+            <a:extLst>
+              <a:ext uri="{FF2B5EF4-FFF2-40B4-BE49-F238E27FC236}">
+                <a16:creationId xmlns:a16="http://schemas.microsoft.com/office/drawing/2014/main" id="{229CC50C-8BFD-C309-AE0B-D292B03614D4}"/>
+              </a:ext>
+            </a:extLst>
+          </p:cNvPr>
+          <p:cNvSpPr/>
+          <p:nvPr/>
+        </p:nvSpPr>
+        <p:spPr>
+          <a:xfrm>
+            <a:off x="3215941" y="2321870"/>
+            <a:ext cx="1324947" cy="534955"/>
+          </a:xfrm>
+          <a:prstGeom prst="rect">
+            <a:avLst/>
+          </a:prstGeom>
+          <a:solidFill>
+            <a:schemeClr val="bg1"/>
+          </a:solidFill>
+          <a:ln>
+            <a:noFill/>
+          </a:ln>
+        </p:spPr>
+        <p:style>
+          <a:lnRef idx="2">
+            <a:schemeClr val="accent1">
+              <a:shade val="50000"/>
+            </a:schemeClr>
+          </a:lnRef>
+          <a:fillRef idx="1">
+            <a:schemeClr val="accent1"/>
+          </a:fillRef>
+          <a:effectRef idx="0">
+            <a:schemeClr val="accent1"/>
+          </a:effectRef>
+          <a:fontRef idx="minor">
+            <a:schemeClr val="lt1"/>
+          </a:fontRef>
+        </p:style>
+        <p:txBody>
+          <a:bodyPr rtlCol="0" anchor="ctr"/>
+          <a:lstStyle/>
+          <a:p>
+            <a:pPr algn="ctr"/>
+            <a:endParaRPr lang="en-IN"/>
+          </a:p>
+        </p:txBody>
+      </p:sp>
+      <p:sp>
+        <p:nvSpPr>
+          <p:cNvPr id="7" name="TextBox 6">
+            <a:extLst>
+              <a:ext uri="{FF2B5EF4-FFF2-40B4-BE49-F238E27FC236}">
+                <a16:creationId xmlns:a16="http://schemas.microsoft.com/office/drawing/2014/main" id="{93FA8254-796D-7F3E-90CC-3BE50A09619E}"/>
+              </a:ext>
+            </a:extLst>
+          </p:cNvPr>
+          <p:cNvSpPr txBox="1"/>
+          <p:nvPr/>
+        </p:nvSpPr>
+        <p:spPr>
+          <a:xfrm>
+            <a:off x="3215940" y="2343126"/>
+            <a:ext cx="1324947" cy="246221"/>
+          </a:xfrm>
+          <a:prstGeom prst="rect">
+            <a:avLst/>
+          </a:prstGeom>
+          <a:noFill/>
+        </p:spPr>
+        <p:txBody>
+          <a:bodyPr wrap="square" rtlCol="0">
+            <a:spAutoFit/>
+          </a:bodyPr>
+          <a:lstStyle/>
+          <a:p>
+            <a:pPr algn="ctr"/>
+            <a:r>
+              <a:rPr lang="en-IN" sz="1000" dirty="0"/>
+              <a:t># of Lights On</a:t>
+            </a:r>
+          </a:p>
+        </p:txBody>
+      </p:sp>
+      <p:sp>
+        <p:nvSpPr>
+          <p:cNvPr id="8" name="TextBox 7">
+            <a:extLst>
+              <a:ext uri="{FF2B5EF4-FFF2-40B4-BE49-F238E27FC236}">
+                <a16:creationId xmlns:a16="http://schemas.microsoft.com/office/drawing/2014/main" id="{E9DEAD54-61FC-7B29-84D2-60CB073B1242}"/>
+              </a:ext>
+            </a:extLst>
+          </p:cNvPr>
+          <p:cNvSpPr txBox="1"/>
+          <p:nvPr/>
+        </p:nvSpPr>
+        <p:spPr>
+          <a:xfrm>
+            <a:off x="3215939" y="2567188"/>
+            <a:ext cx="1324947" cy="276999"/>
+          </a:xfrm>
+          <a:prstGeom prst="rect">
+            <a:avLst/>
+          </a:prstGeom>
+          <a:noFill/>
+        </p:spPr>
+        <p:txBody>
+          <a:bodyPr wrap="square" rtlCol="0">
+            <a:spAutoFit/>
+          </a:bodyPr>
+          <a:lstStyle/>
+          <a:p>
+            <a:pPr algn="ctr"/>
+            <a:r>
+              <a:rPr lang="en-IN" sz="1200" dirty="0"/>
+              <a:t>36</a:t>
+            </a:r>
+          </a:p>
+        </p:txBody>
+      </p:sp>
+      <p:sp>
+        <p:nvSpPr>
+          <p:cNvPr id="9" name="Rectangle 8">
+            <a:extLst>
+              <a:ext uri="{FF2B5EF4-FFF2-40B4-BE49-F238E27FC236}">
+                <a16:creationId xmlns:a16="http://schemas.microsoft.com/office/drawing/2014/main" id="{9C4A084F-5E30-BA93-8391-2D6756365487}"/>
+              </a:ext>
+            </a:extLst>
+          </p:cNvPr>
+          <p:cNvSpPr/>
+          <p:nvPr/>
+        </p:nvSpPr>
+        <p:spPr>
+          <a:xfrm>
+            <a:off x="4612422" y="2321870"/>
+            <a:ext cx="1324947" cy="534955"/>
+          </a:xfrm>
+          <a:prstGeom prst="rect">
+            <a:avLst/>
+          </a:prstGeom>
+          <a:solidFill>
+            <a:schemeClr val="bg1"/>
+          </a:solidFill>
+          <a:ln>
+            <a:noFill/>
+          </a:ln>
+        </p:spPr>
+        <p:style>
+          <a:lnRef idx="2">
+            <a:schemeClr val="accent1">
+              <a:shade val="50000"/>
+            </a:schemeClr>
+          </a:lnRef>
+          <a:fillRef idx="1">
+            <a:schemeClr val="accent1"/>
+          </a:fillRef>
+          <a:effectRef idx="0">
+            <a:schemeClr val="accent1"/>
+          </a:effectRef>
+          <a:fontRef idx="minor">
+            <a:schemeClr val="lt1"/>
+          </a:fontRef>
+        </p:style>
+        <p:txBody>
+          <a:bodyPr rtlCol="0" anchor="ctr"/>
+          <a:lstStyle/>
+          <a:p>
+            <a:pPr algn="ctr"/>
+            <a:endParaRPr lang="en-IN"/>
+          </a:p>
+        </p:txBody>
+      </p:sp>
+      <p:sp>
+        <p:nvSpPr>
+          <p:cNvPr id="10" name="TextBox 9">
+            <a:extLst>
+              <a:ext uri="{FF2B5EF4-FFF2-40B4-BE49-F238E27FC236}">
+                <a16:creationId xmlns:a16="http://schemas.microsoft.com/office/drawing/2014/main" id="{27C480D0-A136-5D3A-C114-033EE811622D}"/>
+              </a:ext>
+            </a:extLst>
+          </p:cNvPr>
+          <p:cNvSpPr txBox="1"/>
+          <p:nvPr/>
+        </p:nvSpPr>
+        <p:spPr>
+          <a:xfrm>
+            <a:off x="4612421" y="2343126"/>
+            <a:ext cx="1324947" cy="246221"/>
+          </a:xfrm>
+          <a:prstGeom prst="rect">
+            <a:avLst/>
+          </a:prstGeom>
+          <a:noFill/>
+        </p:spPr>
+        <p:txBody>
+          <a:bodyPr wrap="square" rtlCol="0">
+            <a:spAutoFit/>
+          </a:bodyPr>
+          <a:lstStyle/>
+          <a:p>
+            <a:pPr algn="ctr"/>
+            <a:r>
+              <a:rPr lang="en-IN" sz="1000" dirty="0"/>
+              <a:t># of Lights Off</a:t>
+            </a:r>
+          </a:p>
+        </p:txBody>
+      </p:sp>
+      <p:sp>
+        <p:nvSpPr>
+          <p:cNvPr id="11" name="TextBox 10">
+            <a:extLst>
+              <a:ext uri="{FF2B5EF4-FFF2-40B4-BE49-F238E27FC236}">
+                <a16:creationId xmlns:a16="http://schemas.microsoft.com/office/drawing/2014/main" id="{A7546F70-796E-3D44-DA41-0656242701F2}"/>
+              </a:ext>
+            </a:extLst>
+          </p:cNvPr>
+          <p:cNvSpPr txBox="1"/>
+          <p:nvPr/>
+        </p:nvSpPr>
+        <p:spPr>
+          <a:xfrm>
+            <a:off x="4612420" y="2567188"/>
+            <a:ext cx="1324947" cy="276999"/>
+          </a:xfrm>
+          <a:prstGeom prst="rect">
+            <a:avLst/>
+          </a:prstGeom>
+          <a:noFill/>
+        </p:spPr>
+        <p:txBody>
+          <a:bodyPr wrap="square" rtlCol="0">
+            <a:spAutoFit/>
+          </a:bodyPr>
+          <a:lstStyle/>
+          <a:p>
+            <a:pPr algn="ctr"/>
+            <a:r>
+              <a:rPr lang="en-IN" sz="1200" dirty="0"/>
+              <a:t>14</a:t>
+            </a:r>
+          </a:p>
+        </p:txBody>
+      </p:sp>
+      <p:sp>
+        <p:nvSpPr>
+          <p:cNvPr id="12" name="Rectangle 11">
+            <a:extLst>
+              <a:ext uri="{FF2B5EF4-FFF2-40B4-BE49-F238E27FC236}">
+                <a16:creationId xmlns:a16="http://schemas.microsoft.com/office/drawing/2014/main" id="{B71E1393-A4BE-15B1-06A5-BD318669B873}"/>
+              </a:ext>
+            </a:extLst>
+          </p:cNvPr>
+          <p:cNvSpPr/>
+          <p:nvPr/>
+        </p:nvSpPr>
+        <p:spPr>
+          <a:xfrm>
+            <a:off x="1822580" y="2949700"/>
+            <a:ext cx="1324947" cy="534955"/>
+          </a:xfrm>
+          <a:prstGeom prst="rect">
+            <a:avLst/>
+          </a:prstGeom>
+          <a:solidFill>
+            <a:schemeClr val="bg1"/>
+          </a:solidFill>
+          <a:ln>
+            <a:noFill/>
+          </a:ln>
+        </p:spPr>
+        <p:style>
+          <a:lnRef idx="2">
+            <a:schemeClr val="accent1">
+              <a:shade val="50000"/>
+            </a:schemeClr>
+          </a:lnRef>
+          <a:fillRef idx="1">
+            <a:schemeClr val="accent1"/>
+          </a:fillRef>
+          <a:effectRef idx="0">
+            <a:schemeClr val="accent1"/>
+          </a:effectRef>
+          <a:fontRef idx="minor">
+            <a:schemeClr val="lt1"/>
+          </a:fontRef>
+        </p:style>
+        <p:txBody>
+          <a:bodyPr rtlCol="0" anchor="ctr"/>
+          <a:lstStyle/>
+          <a:p>
+            <a:pPr algn="ctr"/>
+            <a:endParaRPr lang="en-IN"/>
+          </a:p>
+        </p:txBody>
+      </p:sp>
+      <p:sp>
+        <p:nvSpPr>
+          <p:cNvPr id="13" name="TextBox 12">
+            <a:extLst>
+              <a:ext uri="{FF2B5EF4-FFF2-40B4-BE49-F238E27FC236}">
+                <a16:creationId xmlns:a16="http://schemas.microsoft.com/office/drawing/2014/main" id="{5A91D9C5-78B2-FB9A-EE77-1D7B486F1A43}"/>
+              </a:ext>
+            </a:extLst>
+          </p:cNvPr>
+          <p:cNvSpPr txBox="1"/>
+          <p:nvPr/>
+        </p:nvSpPr>
+        <p:spPr>
+          <a:xfrm>
+            <a:off x="1822579" y="2970956"/>
+            <a:ext cx="1324947" cy="246221"/>
+          </a:xfrm>
+          <a:prstGeom prst="rect">
+            <a:avLst/>
+          </a:prstGeom>
+          <a:noFill/>
+        </p:spPr>
+        <p:txBody>
+          <a:bodyPr wrap="square" rtlCol="0">
+            <a:spAutoFit/>
+          </a:bodyPr>
+          <a:lstStyle/>
+          <a:p>
+            <a:pPr algn="ctr"/>
+            <a:r>
+              <a:rPr lang="en-IN" sz="1000" dirty="0"/>
+              <a:t># of Fans Off</a:t>
+            </a:r>
+          </a:p>
+        </p:txBody>
+      </p:sp>
+      <p:sp>
+        <p:nvSpPr>
+          <p:cNvPr id="14" name="TextBox 13">
+            <a:extLst>
+              <a:ext uri="{FF2B5EF4-FFF2-40B4-BE49-F238E27FC236}">
+                <a16:creationId xmlns:a16="http://schemas.microsoft.com/office/drawing/2014/main" id="{413FA284-3DBA-BE20-3306-8BD628653476}"/>
+              </a:ext>
+            </a:extLst>
+          </p:cNvPr>
+          <p:cNvSpPr txBox="1"/>
+          <p:nvPr/>
+        </p:nvSpPr>
+        <p:spPr>
+          <a:xfrm>
+            <a:off x="1822578" y="3195018"/>
+            <a:ext cx="1324947" cy="276999"/>
+          </a:xfrm>
+          <a:prstGeom prst="rect">
+            <a:avLst/>
+          </a:prstGeom>
+          <a:noFill/>
+        </p:spPr>
+        <p:txBody>
+          <a:bodyPr wrap="square" rtlCol="0">
+            <a:spAutoFit/>
+          </a:bodyPr>
+          <a:lstStyle/>
+          <a:p>
+            <a:pPr algn="ctr"/>
+            <a:r>
+              <a:rPr lang="en-IN" sz="1200" dirty="0"/>
+              <a:t>36</a:t>
+            </a:r>
+          </a:p>
+        </p:txBody>
+      </p:sp>
+      <p:sp>
+        <p:nvSpPr>
+          <p:cNvPr id="15" name="Rectangle 14">
+            <a:extLst>
+              <a:ext uri="{FF2B5EF4-FFF2-40B4-BE49-F238E27FC236}">
+                <a16:creationId xmlns:a16="http://schemas.microsoft.com/office/drawing/2014/main" id="{DC0A3186-C226-FBD2-D275-0B0AF5F274D8}"/>
+              </a:ext>
+            </a:extLst>
+          </p:cNvPr>
+          <p:cNvSpPr/>
+          <p:nvPr/>
+        </p:nvSpPr>
+        <p:spPr>
+          <a:xfrm>
+            <a:off x="3219061" y="2949700"/>
+            <a:ext cx="1324947" cy="534955"/>
+          </a:xfrm>
+          <a:prstGeom prst="rect">
+            <a:avLst/>
+          </a:prstGeom>
+          <a:solidFill>
+            <a:schemeClr val="bg1"/>
+          </a:solidFill>
+          <a:ln>
+            <a:noFill/>
+          </a:ln>
+        </p:spPr>
+        <p:style>
+          <a:lnRef idx="2">
+            <a:schemeClr val="accent1">
+              <a:shade val="50000"/>
+            </a:schemeClr>
+          </a:lnRef>
+          <a:fillRef idx="1">
+            <a:schemeClr val="accent1"/>
+          </a:fillRef>
+          <a:effectRef idx="0">
+            <a:schemeClr val="accent1"/>
+          </a:effectRef>
+          <a:fontRef idx="minor">
+            <a:schemeClr val="lt1"/>
+          </a:fontRef>
+        </p:style>
+        <p:txBody>
+          <a:bodyPr rtlCol="0" anchor="ctr"/>
+          <a:lstStyle/>
+          <a:p>
+            <a:pPr algn="ctr"/>
+            <a:endParaRPr lang="en-IN"/>
+          </a:p>
+        </p:txBody>
+      </p:sp>
+      <p:sp>
+        <p:nvSpPr>
+          <p:cNvPr id="16" name="TextBox 15">
+            <a:extLst>
+              <a:ext uri="{FF2B5EF4-FFF2-40B4-BE49-F238E27FC236}">
+                <a16:creationId xmlns:a16="http://schemas.microsoft.com/office/drawing/2014/main" id="{F57F29B7-60BB-5A6C-8E7B-5684049B5FA3}"/>
+              </a:ext>
+            </a:extLst>
+          </p:cNvPr>
+          <p:cNvSpPr txBox="1"/>
+          <p:nvPr/>
+        </p:nvSpPr>
+        <p:spPr>
+          <a:xfrm>
+            <a:off x="3219060" y="2970956"/>
+            <a:ext cx="1324947" cy="246221"/>
+          </a:xfrm>
+          <a:prstGeom prst="rect">
+            <a:avLst/>
+          </a:prstGeom>
+          <a:noFill/>
+        </p:spPr>
+        <p:txBody>
+          <a:bodyPr wrap="square" rtlCol="0">
+            <a:spAutoFit/>
+          </a:bodyPr>
+          <a:lstStyle/>
+          <a:p>
+            <a:pPr algn="ctr"/>
+            <a:r>
+              <a:rPr lang="en-IN" sz="1000" dirty="0"/>
+              <a:t># of AC On</a:t>
+            </a:r>
+          </a:p>
+        </p:txBody>
+      </p:sp>
+      <p:sp>
+        <p:nvSpPr>
+          <p:cNvPr id="17" name="TextBox 16">
+            <a:extLst>
+              <a:ext uri="{FF2B5EF4-FFF2-40B4-BE49-F238E27FC236}">
+                <a16:creationId xmlns:a16="http://schemas.microsoft.com/office/drawing/2014/main" id="{410EA198-749F-2D69-81C7-5AD6E85837B9}"/>
+              </a:ext>
+            </a:extLst>
+          </p:cNvPr>
+          <p:cNvSpPr txBox="1"/>
+          <p:nvPr/>
+        </p:nvSpPr>
+        <p:spPr>
+          <a:xfrm>
+            <a:off x="3219059" y="3195018"/>
+            <a:ext cx="1324947" cy="276999"/>
+          </a:xfrm>
+          <a:prstGeom prst="rect">
+            <a:avLst/>
+          </a:prstGeom>
+          <a:noFill/>
+        </p:spPr>
+        <p:txBody>
+          <a:bodyPr wrap="square" rtlCol="0">
+            <a:spAutoFit/>
+          </a:bodyPr>
+          <a:lstStyle/>
+          <a:p>
+            <a:pPr algn="ctr"/>
+            <a:r>
+              <a:rPr lang="en-IN" sz="1200" dirty="0"/>
+              <a:t>8</a:t>
+            </a:r>
+          </a:p>
+        </p:txBody>
+      </p:sp>
+      <p:sp>
+        <p:nvSpPr>
+          <p:cNvPr id="18" name="Rectangle 17">
+            <a:extLst>
+              <a:ext uri="{FF2B5EF4-FFF2-40B4-BE49-F238E27FC236}">
+                <a16:creationId xmlns:a16="http://schemas.microsoft.com/office/drawing/2014/main" id="{DEC3D050-5934-33CF-34FC-7A6E2F80B5B5}"/>
+              </a:ext>
+            </a:extLst>
+          </p:cNvPr>
+          <p:cNvSpPr/>
+          <p:nvPr/>
+        </p:nvSpPr>
+        <p:spPr>
+          <a:xfrm>
+            <a:off x="422986" y="2949699"/>
+            <a:ext cx="1324947" cy="534955"/>
+          </a:xfrm>
+          <a:prstGeom prst="rect">
+            <a:avLst/>
+          </a:prstGeom>
+          <a:solidFill>
+            <a:schemeClr val="bg1"/>
+          </a:solidFill>
+          <a:ln>
+            <a:noFill/>
+          </a:ln>
+        </p:spPr>
+        <p:style>
+          <a:lnRef idx="2">
+            <a:schemeClr val="accent1">
+              <a:shade val="50000"/>
+            </a:schemeClr>
+          </a:lnRef>
+          <a:fillRef idx="1">
+            <a:schemeClr val="accent1"/>
+          </a:fillRef>
+          <a:effectRef idx="0">
+            <a:schemeClr val="accent1"/>
+          </a:effectRef>
+          <a:fontRef idx="minor">
+            <a:schemeClr val="lt1"/>
+          </a:fontRef>
+        </p:style>
+        <p:txBody>
+          <a:bodyPr rtlCol="0" anchor="ctr"/>
+          <a:lstStyle/>
+          <a:p>
+            <a:pPr algn="ctr"/>
+            <a:endParaRPr lang="en-IN"/>
+          </a:p>
+        </p:txBody>
+      </p:sp>
+      <p:sp>
+        <p:nvSpPr>
+          <p:cNvPr id="19" name="TextBox 18">
+            <a:extLst>
+              <a:ext uri="{FF2B5EF4-FFF2-40B4-BE49-F238E27FC236}">
+                <a16:creationId xmlns:a16="http://schemas.microsoft.com/office/drawing/2014/main" id="{23D82AAF-09AD-B8BD-2433-64597BF484AA}"/>
+              </a:ext>
+            </a:extLst>
+          </p:cNvPr>
+          <p:cNvSpPr txBox="1"/>
+          <p:nvPr/>
+        </p:nvSpPr>
+        <p:spPr>
+          <a:xfrm>
+            <a:off x="422985" y="2970955"/>
+            <a:ext cx="1324947" cy="246221"/>
+          </a:xfrm>
+          <a:prstGeom prst="rect">
+            <a:avLst/>
+          </a:prstGeom>
+          <a:noFill/>
+        </p:spPr>
+        <p:txBody>
+          <a:bodyPr wrap="square" rtlCol="0">
+            <a:spAutoFit/>
+          </a:bodyPr>
+          <a:lstStyle/>
+          <a:p>
+            <a:pPr algn="ctr"/>
+            <a:r>
+              <a:rPr lang="en-IN" sz="1000" dirty="0"/>
+              <a:t># of Fans On</a:t>
+            </a:r>
+          </a:p>
+        </p:txBody>
+      </p:sp>
+      <p:sp>
+        <p:nvSpPr>
+          <p:cNvPr id="20" name="TextBox 19">
+            <a:extLst>
+              <a:ext uri="{FF2B5EF4-FFF2-40B4-BE49-F238E27FC236}">
+                <a16:creationId xmlns:a16="http://schemas.microsoft.com/office/drawing/2014/main" id="{92FF3CAC-0FDB-8060-C8F1-2C1FF58EBADF}"/>
+              </a:ext>
+            </a:extLst>
+          </p:cNvPr>
+          <p:cNvSpPr txBox="1"/>
+          <p:nvPr/>
+        </p:nvSpPr>
+        <p:spPr>
+          <a:xfrm>
+            <a:off x="422984" y="3195017"/>
+            <a:ext cx="1324947" cy="276999"/>
+          </a:xfrm>
+          <a:prstGeom prst="rect">
+            <a:avLst/>
+          </a:prstGeom>
+          <a:noFill/>
+        </p:spPr>
+        <p:txBody>
+          <a:bodyPr wrap="square" rtlCol="0">
+            <a:spAutoFit/>
+          </a:bodyPr>
+          <a:lstStyle/>
+          <a:p>
+            <a:pPr algn="ctr"/>
+            <a:r>
+              <a:rPr lang="en-IN" sz="1200" dirty="0"/>
+              <a:t>36</a:t>
+            </a:r>
+          </a:p>
+        </p:txBody>
+      </p:sp>
+      <p:sp>
+        <p:nvSpPr>
+          <p:cNvPr id="21" name="Rectangle 20">
+            <a:extLst>
+              <a:ext uri="{FF2B5EF4-FFF2-40B4-BE49-F238E27FC236}">
+                <a16:creationId xmlns:a16="http://schemas.microsoft.com/office/drawing/2014/main" id="{549CBABD-56B3-75CC-C8B1-CDDA63751581}"/>
+              </a:ext>
+            </a:extLst>
+          </p:cNvPr>
+          <p:cNvSpPr/>
+          <p:nvPr/>
+        </p:nvSpPr>
+        <p:spPr>
+          <a:xfrm>
+            <a:off x="1819466" y="2321870"/>
+            <a:ext cx="1324947" cy="534955"/>
+          </a:xfrm>
+          <a:prstGeom prst="rect">
+            <a:avLst/>
+          </a:prstGeom>
+          <a:solidFill>
+            <a:schemeClr val="bg1"/>
+          </a:solidFill>
+          <a:ln>
+            <a:noFill/>
+          </a:ln>
+        </p:spPr>
+        <p:style>
+          <a:lnRef idx="2">
+            <a:schemeClr val="accent1">
+              <a:shade val="50000"/>
+            </a:schemeClr>
+          </a:lnRef>
+          <a:fillRef idx="1">
+            <a:schemeClr val="accent1"/>
+          </a:fillRef>
+          <a:effectRef idx="0">
+            <a:schemeClr val="accent1"/>
+          </a:effectRef>
+          <a:fontRef idx="minor">
+            <a:schemeClr val="lt1"/>
+          </a:fontRef>
+        </p:style>
+        <p:txBody>
+          <a:bodyPr rtlCol="0" anchor="ctr"/>
+          <a:lstStyle/>
+          <a:p>
+            <a:pPr algn="ctr"/>
+            <a:endParaRPr lang="en-IN"/>
+          </a:p>
+        </p:txBody>
+      </p:sp>
+      <p:sp>
+        <p:nvSpPr>
+          <p:cNvPr id="22" name="TextBox 21">
+            <a:extLst>
+              <a:ext uri="{FF2B5EF4-FFF2-40B4-BE49-F238E27FC236}">
+                <a16:creationId xmlns:a16="http://schemas.microsoft.com/office/drawing/2014/main" id="{DCA55C38-7C16-56A8-0F50-4CB49E468867}"/>
+              </a:ext>
+            </a:extLst>
+          </p:cNvPr>
+          <p:cNvSpPr txBox="1"/>
+          <p:nvPr/>
+        </p:nvSpPr>
+        <p:spPr>
+          <a:xfrm>
+            <a:off x="1791471" y="2343126"/>
+            <a:ext cx="1396481" cy="246221"/>
+          </a:xfrm>
+          <a:prstGeom prst="rect">
+            <a:avLst/>
+          </a:prstGeom>
+          <a:noFill/>
+        </p:spPr>
+        <p:txBody>
+          <a:bodyPr wrap="square" rtlCol="0">
+            <a:spAutoFit/>
+          </a:bodyPr>
+          <a:lstStyle/>
+          <a:p>
+            <a:pPr algn="ctr"/>
+            <a:r>
+              <a:rPr lang="en-IN" sz="1000" dirty="0"/>
+              <a:t># of People Enter / Hr</a:t>
+            </a:r>
+          </a:p>
+        </p:txBody>
+      </p:sp>
+      <p:sp>
+        <p:nvSpPr>
+          <p:cNvPr id="23" name="TextBox 22">
+            <a:extLst>
+              <a:ext uri="{FF2B5EF4-FFF2-40B4-BE49-F238E27FC236}">
+                <a16:creationId xmlns:a16="http://schemas.microsoft.com/office/drawing/2014/main" id="{100FD0F6-4B05-4944-5F32-D1CF1F08E1BA}"/>
+              </a:ext>
+            </a:extLst>
+          </p:cNvPr>
+          <p:cNvSpPr txBox="1"/>
+          <p:nvPr/>
+        </p:nvSpPr>
+        <p:spPr>
+          <a:xfrm>
+            <a:off x="1819464" y="2567188"/>
+            <a:ext cx="1324947" cy="276999"/>
+          </a:xfrm>
+          <a:prstGeom prst="rect">
+            <a:avLst/>
+          </a:prstGeom>
+          <a:noFill/>
+        </p:spPr>
+        <p:txBody>
+          <a:bodyPr wrap="square" rtlCol="0">
+            <a:spAutoFit/>
+          </a:bodyPr>
+          <a:lstStyle/>
+          <a:p>
+            <a:pPr algn="ctr"/>
+            <a:r>
+              <a:rPr lang="en-IN" sz="1200" dirty="0"/>
+              <a:t>12</a:t>
+            </a:r>
+          </a:p>
+        </p:txBody>
+      </p:sp>
+      <p:sp>
+        <p:nvSpPr>
+          <p:cNvPr id="24" name="Rectangle 23">
+            <a:extLst>
+              <a:ext uri="{FF2B5EF4-FFF2-40B4-BE49-F238E27FC236}">
+                <a16:creationId xmlns:a16="http://schemas.microsoft.com/office/drawing/2014/main" id="{F909C51D-779E-BACB-195A-AADEA6B4E157}"/>
+              </a:ext>
+            </a:extLst>
+          </p:cNvPr>
+          <p:cNvSpPr/>
+          <p:nvPr/>
+        </p:nvSpPr>
+        <p:spPr>
+          <a:xfrm>
+            <a:off x="4599996" y="2947618"/>
+            <a:ext cx="1324947" cy="534955"/>
+          </a:xfrm>
+          <a:prstGeom prst="rect">
+            <a:avLst/>
+          </a:prstGeom>
+          <a:solidFill>
+            <a:schemeClr val="bg1"/>
+          </a:solidFill>
+          <a:ln>
+            <a:noFill/>
+          </a:ln>
+        </p:spPr>
+        <p:style>
+          <a:lnRef idx="2">
+            <a:schemeClr val="accent1">
+              <a:shade val="50000"/>
+            </a:schemeClr>
+          </a:lnRef>
+          <a:fillRef idx="1">
+            <a:schemeClr val="accent1"/>
+          </a:fillRef>
+          <a:effectRef idx="0">
+            <a:schemeClr val="accent1"/>
+          </a:effectRef>
+          <a:fontRef idx="minor">
+            <a:schemeClr val="lt1"/>
+          </a:fontRef>
+        </p:style>
+        <p:txBody>
+          <a:bodyPr rtlCol="0" anchor="ctr"/>
+          <a:lstStyle/>
+          <a:p>
+            <a:pPr algn="ctr"/>
+            <a:endParaRPr lang="en-IN"/>
+          </a:p>
+        </p:txBody>
+      </p:sp>
+      <p:sp>
+        <p:nvSpPr>
+          <p:cNvPr id="25" name="TextBox 24">
+            <a:extLst>
+              <a:ext uri="{FF2B5EF4-FFF2-40B4-BE49-F238E27FC236}">
+                <a16:creationId xmlns:a16="http://schemas.microsoft.com/office/drawing/2014/main" id="{19B02A4B-F028-E76E-6E3D-679085311BF9}"/>
+              </a:ext>
+            </a:extLst>
+          </p:cNvPr>
+          <p:cNvSpPr txBox="1"/>
+          <p:nvPr/>
+        </p:nvSpPr>
+        <p:spPr>
+          <a:xfrm>
+            <a:off x="4599995" y="2968874"/>
+            <a:ext cx="1324947" cy="246221"/>
+          </a:xfrm>
+          <a:prstGeom prst="rect">
+            <a:avLst/>
+          </a:prstGeom>
+          <a:noFill/>
+        </p:spPr>
+        <p:txBody>
+          <a:bodyPr wrap="square" rtlCol="0">
+            <a:spAutoFit/>
+          </a:bodyPr>
+          <a:lstStyle/>
+          <a:p>
+            <a:pPr algn="ctr"/>
+            <a:r>
+              <a:rPr lang="en-IN" sz="1000" dirty="0"/>
+              <a:t># of AC Off</a:t>
+            </a:r>
+          </a:p>
+        </p:txBody>
+      </p:sp>
+      <p:sp>
+        <p:nvSpPr>
+          <p:cNvPr id="26" name="TextBox 25">
+            <a:extLst>
+              <a:ext uri="{FF2B5EF4-FFF2-40B4-BE49-F238E27FC236}">
+                <a16:creationId xmlns:a16="http://schemas.microsoft.com/office/drawing/2014/main" id="{8DECC91A-5D92-44C0-FED8-8660A3DE7316}"/>
+              </a:ext>
+            </a:extLst>
+          </p:cNvPr>
+          <p:cNvSpPr txBox="1"/>
+          <p:nvPr/>
+        </p:nvSpPr>
+        <p:spPr>
+          <a:xfrm>
+            <a:off x="4599994" y="3192936"/>
+            <a:ext cx="1324947" cy="276999"/>
+          </a:xfrm>
+          <a:prstGeom prst="rect">
+            <a:avLst/>
+          </a:prstGeom>
+          <a:noFill/>
+        </p:spPr>
+        <p:txBody>
+          <a:bodyPr wrap="square" rtlCol="0">
+            <a:spAutoFit/>
+          </a:bodyPr>
+          <a:lstStyle/>
+          <a:p>
+            <a:pPr algn="ctr"/>
+            <a:r>
+              <a:rPr lang="en-IN" sz="1200" dirty="0"/>
+              <a:t>2</a:t>
+            </a:r>
+          </a:p>
+        </p:txBody>
+      </p:sp>
+      <p:sp>
+        <p:nvSpPr>
+          <p:cNvPr id="27" name="Rectangle 26">
+            <a:extLst>
+              <a:ext uri="{FF2B5EF4-FFF2-40B4-BE49-F238E27FC236}">
+                <a16:creationId xmlns:a16="http://schemas.microsoft.com/office/drawing/2014/main" id="{D11FF531-7705-6F3E-30BC-9B9A87B8FFA7}"/>
+              </a:ext>
+            </a:extLst>
+          </p:cNvPr>
+          <p:cNvSpPr/>
+          <p:nvPr/>
+        </p:nvSpPr>
+        <p:spPr>
+          <a:xfrm>
+            <a:off x="422988" y="3590167"/>
+            <a:ext cx="1324947" cy="534955"/>
+          </a:xfrm>
+          <a:prstGeom prst="rect">
+            <a:avLst/>
+          </a:prstGeom>
+          <a:solidFill>
+            <a:schemeClr val="bg1"/>
+          </a:solidFill>
+          <a:ln>
+            <a:noFill/>
+          </a:ln>
+        </p:spPr>
+        <p:style>
+          <a:lnRef idx="2">
+            <a:schemeClr val="accent1">
+              <a:shade val="50000"/>
+            </a:schemeClr>
+          </a:lnRef>
+          <a:fillRef idx="1">
+            <a:schemeClr val="accent1"/>
+          </a:fillRef>
+          <a:effectRef idx="0">
+            <a:schemeClr val="accent1"/>
+          </a:effectRef>
+          <a:fontRef idx="minor">
+            <a:schemeClr val="lt1"/>
+          </a:fontRef>
+        </p:style>
+        <p:txBody>
+          <a:bodyPr rtlCol="0" anchor="ctr"/>
+          <a:lstStyle/>
+          <a:p>
+            <a:pPr algn="ctr"/>
+            <a:endParaRPr lang="en-IN"/>
+          </a:p>
+        </p:txBody>
+      </p:sp>
+      <p:sp>
+        <p:nvSpPr>
+          <p:cNvPr id="28" name="TextBox 27">
+            <a:extLst>
+              <a:ext uri="{FF2B5EF4-FFF2-40B4-BE49-F238E27FC236}">
+                <a16:creationId xmlns:a16="http://schemas.microsoft.com/office/drawing/2014/main" id="{147B2D6F-BBDF-DC78-7FAD-FC11276A7E41}"/>
+              </a:ext>
+            </a:extLst>
+          </p:cNvPr>
+          <p:cNvSpPr txBox="1"/>
+          <p:nvPr/>
+        </p:nvSpPr>
+        <p:spPr>
+          <a:xfrm>
+            <a:off x="422987" y="3611423"/>
+            <a:ext cx="1324947" cy="246221"/>
+          </a:xfrm>
+          <a:prstGeom prst="rect">
+            <a:avLst/>
+          </a:prstGeom>
+          <a:noFill/>
+        </p:spPr>
+        <p:txBody>
+          <a:bodyPr wrap="square" rtlCol="0">
+            <a:spAutoFit/>
+          </a:bodyPr>
+          <a:lstStyle/>
+          <a:p>
+            <a:pPr algn="ctr"/>
+            <a:r>
+              <a:rPr lang="en-IN" sz="1000" dirty="0"/>
+              <a:t># of Men Visited</a:t>
+            </a:r>
+          </a:p>
+        </p:txBody>
+      </p:sp>
+      <p:sp>
+        <p:nvSpPr>
+          <p:cNvPr id="29" name="TextBox 28">
+            <a:extLst>
+              <a:ext uri="{FF2B5EF4-FFF2-40B4-BE49-F238E27FC236}">
+                <a16:creationId xmlns:a16="http://schemas.microsoft.com/office/drawing/2014/main" id="{9C97B894-6491-19B3-F1E1-881B7499D923}"/>
+              </a:ext>
+            </a:extLst>
+          </p:cNvPr>
+          <p:cNvSpPr txBox="1"/>
+          <p:nvPr/>
+        </p:nvSpPr>
+        <p:spPr>
+          <a:xfrm>
+            <a:off x="422986" y="3835485"/>
+            <a:ext cx="1324947" cy="276999"/>
+          </a:xfrm>
+          <a:prstGeom prst="rect">
+            <a:avLst/>
+          </a:prstGeom>
+          <a:noFill/>
+        </p:spPr>
+        <p:txBody>
+          <a:bodyPr wrap="square" rtlCol="0">
+            <a:spAutoFit/>
+          </a:bodyPr>
+          <a:lstStyle/>
+          <a:p>
+            <a:pPr algn="ctr"/>
+            <a:r>
+              <a:rPr lang="en-IN" sz="1200" dirty="0"/>
+              <a:t>53</a:t>
+            </a:r>
+          </a:p>
+        </p:txBody>
+      </p:sp>
+      <p:sp>
+        <p:nvSpPr>
+          <p:cNvPr id="30" name="Rectangle 29">
+            <a:extLst>
+              <a:ext uri="{FF2B5EF4-FFF2-40B4-BE49-F238E27FC236}">
+                <a16:creationId xmlns:a16="http://schemas.microsoft.com/office/drawing/2014/main" id="{B0287F4F-6F54-6FDD-E3DC-55725048AFD7}"/>
+              </a:ext>
+            </a:extLst>
+          </p:cNvPr>
+          <p:cNvSpPr/>
+          <p:nvPr/>
+        </p:nvSpPr>
+        <p:spPr>
+          <a:xfrm>
+            <a:off x="1819466" y="3585605"/>
+            <a:ext cx="1324947" cy="534955"/>
+          </a:xfrm>
+          <a:prstGeom prst="rect">
+            <a:avLst/>
+          </a:prstGeom>
+          <a:solidFill>
+            <a:schemeClr val="bg1"/>
+          </a:solidFill>
+          <a:ln>
+            <a:noFill/>
+          </a:ln>
+        </p:spPr>
+        <p:style>
+          <a:lnRef idx="2">
+            <a:schemeClr val="accent1">
+              <a:shade val="50000"/>
+            </a:schemeClr>
+          </a:lnRef>
+          <a:fillRef idx="1">
+            <a:schemeClr val="accent1"/>
+          </a:fillRef>
+          <a:effectRef idx="0">
+            <a:schemeClr val="accent1"/>
+          </a:effectRef>
+          <a:fontRef idx="minor">
+            <a:schemeClr val="lt1"/>
+          </a:fontRef>
+        </p:style>
+        <p:txBody>
+          <a:bodyPr rtlCol="0" anchor="ctr"/>
+          <a:lstStyle/>
+          <a:p>
+            <a:pPr algn="ctr"/>
+            <a:endParaRPr lang="en-IN"/>
+          </a:p>
+        </p:txBody>
+      </p:sp>
+      <p:sp>
+        <p:nvSpPr>
+          <p:cNvPr id="31" name="TextBox 30">
+            <a:extLst>
+              <a:ext uri="{FF2B5EF4-FFF2-40B4-BE49-F238E27FC236}">
+                <a16:creationId xmlns:a16="http://schemas.microsoft.com/office/drawing/2014/main" id="{7F71DFD9-4BBA-0CF6-6B50-25767AE2AFCE}"/>
+              </a:ext>
+            </a:extLst>
+          </p:cNvPr>
+          <p:cNvSpPr txBox="1"/>
+          <p:nvPr/>
+        </p:nvSpPr>
+        <p:spPr>
+          <a:xfrm>
+            <a:off x="1791471" y="3606861"/>
+            <a:ext cx="1396481" cy="246221"/>
+          </a:xfrm>
+          <a:prstGeom prst="rect">
+            <a:avLst/>
+          </a:prstGeom>
+          <a:noFill/>
+        </p:spPr>
+        <p:txBody>
+          <a:bodyPr wrap="square" rtlCol="0">
+            <a:spAutoFit/>
+          </a:bodyPr>
+          <a:lstStyle/>
+          <a:p>
+            <a:pPr algn="ctr"/>
+            <a:r>
+              <a:rPr lang="en-IN" sz="1000" dirty="0"/>
+              <a:t># of Women Visited</a:t>
+            </a:r>
+          </a:p>
+        </p:txBody>
+      </p:sp>
+      <p:sp>
+        <p:nvSpPr>
+          <p:cNvPr id="32" name="TextBox 31">
+            <a:extLst>
+              <a:ext uri="{FF2B5EF4-FFF2-40B4-BE49-F238E27FC236}">
+                <a16:creationId xmlns:a16="http://schemas.microsoft.com/office/drawing/2014/main" id="{A0D125AE-2B64-DAF3-3DE1-37E8443F643D}"/>
+              </a:ext>
+            </a:extLst>
+          </p:cNvPr>
+          <p:cNvSpPr txBox="1"/>
+          <p:nvPr/>
+        </p:nvSpPr>
+        <p:spPr>
+          <a:xfrm>
+            <a:off x="1819464" y="3830923"/>
+            <a:ext cx="1324947" cy="276999"/>
+          </a:xfrm>
+          <a:prstGeom prst="rect">
+            <a:avLst/>
+          </a:prstGeom>
+          <a:noFill/>
+        </p:spPr>
+        <p:txBody>
+          <a:bodyPr wrap="square" rtlCol="0">
+            <a:spAutoFit/>
+          </a:bodyPr>
+          <a:lstStyle/>
+          <a:p>
+            <a:pPr algn="ctr"/>
+            <a:r>
+              <a:rPr lang="en-IN" sz="1200" dirty="0"/>
+              <a:t>21</a:t>
+            </a:r>
+          </a:p>
+        </p:txBody>
+      </p:sp>
+      <p:sp>
+        <p:nvSpPr>
+          <p:cNvPr id="33" name="Rectangle 32">
+            <a:extLst>
+              <a:ext uri="{FF2B5EF4-FFF2-40B4-BE49-F238E27FC236}">
+                <a16:creationId xmlns:a16="http://schemas.microsoft.com/office/drawing/2014/main" id="{FC98C3F6-1B9C-97BD-9633-47227BD2C9F9}"/>
+              </a:ext>
+            </a:extLst>
+          </p:cNvPr>
+          <p:cNvSpPr/>
+          <p:nvPr/>
+        </p:nvSpPr>
+        <p:spPr>
+          <a:xfrm>
+            <a:off x="3215947" y="3570886"/>
+            <a:ext cx="1324947" cy="534955"/>
+          </a:xfrm>
+          <a:prstGeom prst="rect">
+            <a:avLst/>
+          </a:prstGeom>
+          <a:solidFill>
+            <a:schemeClr val="bg1"/>
+          </a:solidFill>
+          <a:ln>
+            <a:noFill/>
+          </a:ln>
+        </p:spPr>
+        <p:style>
+          <a:lnRef idx="2">
+            <a:schemeClr val="accent1">
+              <a:shade val="50000"/>
+            </a:schemeClr>
+          </a:lnRef>
+          <a:fillRef idx="1">
+            <a:schemeClr val="accent1"/>
+          </a:fillRef>
+          <a:effectRef idx="0">
+            <a:schemeClr val="accent1"/>
+          </a:effectRef>
+          <a:fontRef idx="minor">
+            <a:schemeClr val="lt1"/>
+          </a:fontRef>
+        </p:style>
+        <p:txBody>
+          <a:bodyPr rtlCol="0" anchor="ctr"/>
+          <a:lstStyle/>
+          <a:p>
+            <a:pPr algn="ctr"/>
+            <a:endParaRPr lang="en-IN"/>
+          </a:p>
+        </p:txBody>
+      </p:sp>
+      <p:sp>
+        <p:nvSpPr>
+          <p:cNvPr id="34" name="TextBox 33">
+            <a:extLst>
+              <a:ext uri="{FF2B5EF4-FFF2-40B4-BE49-F238E27FC236}">
+                <a16:creationId xmlns:a16="http://schemas.microsoft.com/office/drawing/2014/main" id="{93978C1B-5E1F-A595-D1FD-756FC35E7D22}"/>
+              </a:ext>
+            </a:extLst>
+          </p:cNvPr>
+          <p:cNvSpPr txBox="1"/>
+          <p:nvPr/>
+        </p:nvSpPr>
+        <p:spPr>
+          <a:xfrm>
+            <a:off x="3187952" y="3592142"/>
+            <a:ext cx="1396481" cy="246221"/>
+          </a:xfrm>
+          <a:prstGeom prst="rect">
+            <a:avLst/>
+          </a:prstGeom>
+          <a:noFill/>
+        </p:spPr>
+        <p:txBody>
+          <a:bodyPr wrap="square" rtlCol="0">
+            <a:spAutoFit/>
+          </a:bodyPr>
+          <a:lstStyle/>
+          <a:p>
+            <a:pPr algn="ctr"/>
+            <a:r>
+              <a:rPr lang="en-IN" sz="1000" dirty="0"/>
+              <a:t># of Staff Available</a:t>
+            </a:r>
+          </a:p>
+        </p:txBody>
+      </p:sp>
+      <p:sp>
+        <p:nvSpPr>
+          <p:cNvPr id="35" name="TextBox 34">
+            <a:extLst>
+              <a:ext uri="{FF2B5EF4-FFF2-40B4-BE49-F238E27FC236}">
+                <a16:creationId xmlns:a16="http://schemas.microsoft.com/office/drawing/2014/main" id="{EC181442-2CA8-2FC8-CFAB-83F658A57796}"/>
+              </a:ext>
+            </a:extLst>
+          </p:cNvPr>
+          <p:cNvSpPr txBox="1"/>
+          <p:nvPr/>
+        </p:nvSpPr>
+        <p:spPr>
+          <a:xfrm>
+            <a:off x="3215945" y="3816204"/>
+            <a:ext cx="1324947" cy="276999"/>
+          </a:xfrm>
+          <a:prstGeom prst="rect">
+            <a:avLst/>
+          </a:prstGeom>
+          <a:noFill/>
+        </p:spPr>
+        <p:txBody>
+          <a:bodyPr wrap="square" rtlCol="0">
+            <a:spAutoFit/>
+          </a:bodyPr>
+          <a:lstStyle/>
+          <a:p>
+            <a:pPr algn="ctr"/>
+            <a:r>
+              <a:rPr lang="en-IN" sz="1200" dirty="0"/>
+              <a:t>18</a:t>
+            </a:r>
+          </a:p>
+        </p:txBody>
+      </p:sp>
+      <p:sp>
+        <p:nvSpPr>
+          <p:cNvPr id="36" name="Rectangle 35">
+            <a:extLst>
+              <a:ext uri="{FF2B5EF4-FFF2-40B4-BE49-F238E27FC236}">
+                <a16:creationId xmlns:a16="http://schemas.microsoft.com/office/drawing/2014/main" id="{8C660315-614F-6839-0D20-3D3EAF0878FC}"/>
+              </a:ext>
+            </a:extLst>
+          </p:cNvPr>
+          <p:cNvSpPr/>
+          <p:nvPr/>
+        </p:nvSpPr>
+        <p:spPr>
+          <a:xfrm>
+            <a:off x="4596880" y="3562268"/>
+            <a:ext cx="1324947" cy="534955"/>
+          </a:xfrm>
+          <a:prstGeom prst="rect">
+            <a:avLst/>
+          </a:prstGeom>
+          <a:solidFill>
+            <a:schemeClr val="bg1"/>
+          </a:solidFill>
+          <a:ln>
+            <a:noFill/>
+          </a:ln>
+        </p:spPr>
+        <p:style>
+          <a:lnRef idx="2">
+            <a:schemeClr val="accent1">
+              <a:shade val="50000"/>
+            </a:schemeClr>
+          </a:lnRef>
+          <a:fillRef idx="1">
+            <a:schemeClr val="accent1"/>
+          </a:fillRef>
+          <a:effectRef idx="0">
+            <a:schemeClr val="accent1"/>
+          </a:effectRef>
+          <a:fontRef idx="minor">
+            <a:schemeClr val="lt1"/>
+          </a:fontRef>
+        </p:style>
+        <p:txBody>
+          <a:bodyPr rtlCol="0" anchor="ctr"/>
+          <a:lstStyle/>
+          <a:p>
+            <a:pPr algn="ctr"/>
+            <a:endParaRPr lang="en-IN"/>
+          </a:p>
+        </p:txBody>
+      </p:sp>
+      <p:sp>
+        <p:nvSpPr>
+          <p:cNvPr id="37" name="TextBox 36">
+            <a:extLst>
+              <a:ext uri="{FF2B5EF4-FFF2-40B4-BE49-F238E27FC236}">
+                <a16:creationId xmlns:a16="http://schemas.microsoft.com/office/drawing/2014/main" id="{6EC56568-9C9D-357E-8B63-5B590332E8E1}"/>
+              </a:ext>
+            </a:extLst>
+          </p:cNvPr>
+          <p:cNvSpPr txBox="1"/>
+          <p:nvPr/>
+        </p:nvSpPr>
+        <p:spPr>
+          <a:xfrm>
+            <a:off x="4568885" y="3583524"/>
+            <a:ext cx="1396481" cy="246221"/>
+          </a:xfrm>
+          <a:prstGeom prst="rect">
+            <a:avLst/>
+          </a:prstGeom>
+          <a:noFill/>
+        </p:spPr>
+        <p:txBody>
+          <a:bodyPr wrap="square" rtlCol="0">
+            <a:spAutoFit/>
+          </a:bodyPr>
+          <a:lstStyle/>
+          <a:p>
+            <a:pPr algn="ctr"/>
+            <a:r>
+              <a:rPr lang="en-IN" sz="1000" dirty="0"/>
+              <a:t># of Assets Available</a:t>
+            </a:r>
+          </a:p>
+        </p:txBody>
+      </p:sp>
+      <p:sp>
+        <p:nvSpPr>
+          <p:cNvPr id="38" name="TextBox 37">
+            <a:extLst>
+              <a:ext uri="{FF2B5EF4-FFF2-40B4-BE49-F238E27FC236}">
+                <a16:creationId xmlns:a16="http://schemas.microsoft.com/office/drawing/2014/main" id="{81032131-E380-6FBC-B8EC-1E1B7A6AEB97}"/>
+              </a:ext>
+            </a:extLst>
+          </p:cNvPr>
+          <p:cNvSpPr txBox="1"/>
+          <p:nvPr/>
+        </p:nvSpPr>
+        <p:spPr>
+          <a:xfrm>
+            <a:off x="4596878" y="3807586"/>
+            <a:ext cx="1324947" cy="276999"/>
+          </a:xfrm>
+          <a:prstGeom prst="rect">
+            <a:avLst/>
+          </a:prstGeom>
+          <a:noFill/>
+        </p:spPr>
+        <p:txBody>
+          <a:bodyPr wrap="square" rtlCol="0">
+            <a:spAutoFit/>
+          </a:bodyPr>
+          <a:lstStyle/>
+          <a:p>
+            <a:pPr algn="ctr"/>
+            <a:r>
+              <a:rPr lang="en-IN" sz="1200" dirty="0"/>
+              <a:t>18</a:t>
+            </a:r>
+          </a:p>
+        </p:txBody>
+      </p:sp>
+      <p:sp>
+        <p:nvSpPr>
+          <p:cNvPr id="39" name="Rectangle 38">
+            <a:extLst>
+              <a:ext uri="{FF2B5EF4-FFF2-40B4-BE49-F238E27FC236}">
+                <a16:creationId xmlns:a16="http://schemas.microsoft.com/office/drawing/2014/main" id="{8822342E-CA82-39DC-6276-253D81E5C66C}"/>
+              </a:ext>
+            </a:extLst>
+          </p:cNvPr>
+          <p:cNvSpPr/>
+          <p:nvPr/>
+        </p:nvSpPr>
+        <p:spPr>
+          <a:xfrm>
+            <a:off x="422985" y="4213058"/>
+            <a:ext cx="1324947" cy="534955"/>
+          </a:xfrm>
+          <a:prstGeom prst="rect">
+            <a:avLst/>
+          </a:prstGeom>
+          <a:solidFill>
+            <a:schemeClr val="bg1"/>
+          </a:solidFill>
+          <a:ln>
+            <a:noFill/>
+          </a:ln>
+        </p:spPr>
+        <p:style>
+          <a:lnRef idx="2">
+            <a:schemeClr val="accent1">
+              <a:shade val="50000"/>
+            </a:schemeClr>
+          </a:lnRef>
+          <a:fillRef idx="1">
+            <a:schemeClr val="accent1"/>
+          </a:fillRef>
+          <a:effectRef idx="0">
+            <a:schemeClr val="accent1"/>
+          </a:effectRef>
+          <a:fontRef idx="minor">
+            <a:schemeClr val="lt1"/>
+          </a:fontRef>
+        </p:style>
+        <p:txBody>
+          <a:bodyPr rtlCol="0" anchor="ctr"/>
+          <a:lstStyle/>
+          <a:p>
+            <a:pPr algn="ctr"/>
+            <a:endParaRPr lang="en-IN"/>
+          </a:p>
+        </p:txBody>
+      </p:sp>
+      <p:sp>
+        <p:nvSpPr>
+          <p:cNvPr id="40" name="TextBox 39">
+            <a:extLst>
+              <a:ext uri="{FF2B5EF4-FFF2-40B4-BE49-F238E27FC236}">
+                <a16:creationId xmlns:a16="http://schemas.microsoft.com/office/drawing/2014/main" id="{17735821-5671-1F45-AB15-C573BAEE3592}"/>
+              </a:ext>
+            </a:extLst>
+          </p:cNvPr>
+          <p:cNvSpPr txBox="1"/>
+          <p:nvPr/>
+        </p:nvSpPr>
+        <p:spPr>
+          <a:xfrm>
+            <a:off x="342120" y="4234314"/>
+            <a:ext cx="1480451" cy="246221"/>
+          </a:xfrm>
+          <a:prstGeom prst="rect">
+            <a:avLst/>
+          </a:prstGeom>
+          <a:noFill/>
+        </p:spPr>
+        <p:txBody>
+          <a:bodyPr wrap="square" rtlCol="0">
+            <a:spAutoFit/>
+          </a:bodyPr>
+          <a:lstStyle/>
+          <a:p>
+            <a:pPr algn="ctr"/>
+            <a:r>
+              <a:rPr lang="en-IN" sz="1000" dirty="0"/>
+              <a:t># of Existing Customer</a:t>
+            </a:r>
+          </a:p>
+        </p:txBody>
+      </p:sp>
+      <p:sp>
+        <p:nvSpPr>
+          <p:cNvPr id="41" name="TextBox 40">
+            <a:extLst>
+              <a:ext uri="{FF2B5EF4-FFF2-40B4-BE49-F238E27FC236}">
+                <a16:creationId xmlns:a16="http://schemas.microsoft.com/office/drawing/2014/main" id="{BF37752A-D81B-C18A-382E-9D25081B9009}"/>
+              </a:ext>
+            </a:extLst>
+          </p:cNvPr>
+          <p:cNvSpPr txBox="1"/>
+          <p:nvPr/>
+        </p:nvSpPr>
+        <p:spPr>
+          <a:xfrm>
+            <a:off x="422983" y="4458376"/>
+            <a:ext cx="1324947" cy="276999"/>
+          </a:xfrm>
+          <a:prstGeom prst="rect">
+            <a:avLst/>
+          </a:prstGeom>
+          <a:noFill/>
+        </p:spPr>
+        <p:txBody>
+          <a:bodyPr wrap="square" rtlCol="0">
+            <a:spAutoFit/>
+          </a:bodyPr>
+          <a:lstStyle/>
+          <a:p>
+            <a:pPr algn="ctr"/>
+            <a:r>
+              <a:rPr lang="en-IN" sz="1200" dirty="0"/>
+              <a:t>58</a:t>
+            </a:r>
+          </a:p>
+        </p:txBody>
+      </p:sp>
+      <p:sp>
+        <p:nvSpPr>
+          <p:cNvPr id="42" name="Rectangle 41">
+            <a:extLst>
+              <a:ext uri="{FF2B5EF4-FFF2-40B4-BE49-F238E27FC236}">
+                <a16:creationId xmlns:a16="http://schemas.microsoft.com/office/drawing/2014/main" id="{25AEC3A1-6C44-FAE1-D8B3-244C594871AF}"/>
+              </a:ext>
+            </a:extLst>
+          </p:cNvPr>
+          <p:cNvSpPr/>
+          <p:nvPr/>
+        </p:nvSpPr>
+        <p:spPr>
+          <a:xfrm>
+            <a:off x="1828795" y="4216453"/>
+            <a:ext cx="1324947" cy="534955"/>
+          </a:xfrm>
+          <a:prstGeom prst="rect">
+            <a:avLst/>
+          </a:prstGeom>
+          <a:solidFill>
+            <a:schemeClr val="bg1"/>
+          </a:solidFill>
+          <a:ln>
+            <a:noFill/>
+          </a:ln>
+        </p:spPr>
+        <p:style>
+          <a:lnRef idx="2">
+            <a:schemeClr val="accent1">
+              <a:shade val="50000"/>
+            </a:schemeClr>
+          </a:lnRef>
+          <a:fillRef idx="1">
+            <a:schemeClr val="accent1"/>
+          </a:fillRef>
+          <a:effectRef idx="0">
+            <a:schemeClr val="accent1"/>
+          </a:effectRef>
+          <a:fontRef idx="minor">
+            <a:schemeClr val="lt1"/>
+          </a:fontRef>
+        </p:style>
+        <p:txBody>
+          <a:bodyPr rtlCol="0" anchor="ctr"/>
+          <a:lstStyle/>
+          <a:p>
+            <a:pPr algn="ctr"/>
+            <a:endParaRPr lang="en-IN"/>
+          </a:p>
+        </p:txBody>
+      </p:sp>
+      <p:sp>
+        <p:nvSpPr>
+          <p:cNvPr id="43" name="TextBox 42">
+            <a:extLst>
+              <a:ext uri="{FF2B5EF4-FFF2-40B4-BE49-F238E27FC236}">
+                <a16:creationId xmlns:a16="http://schemas.microsoft.com/office/drawing/2014/main" id="{26C95444-7D9E-F008-CDEB-EB94E368872F}"/>
+              </a:ext>
+            </a:extLst>
+          </p:cNvPr>
+          <p:cNvSpPr txBox="1"/>
+          <p:nvPr/>
+        </p:nvSpPr>
+        <p:spPr>
+          <a:xfrm>
+            <a:off x="1747930" y="4237709"/>
+            <a:ext cx="1480451" cy="246221"/>
+          </a:xfrm>
+          <a:prstGeom prst="rect">
+            <a:avLst/>
+          </a:prstGeom>
+          <a:noFill/>
+        </p:spPr>
+        <p:txBody>
+          <a:bodyPr wrap="square" rtlCol="0">
+            <a:spAutoFit/>
+          </a:bodyPr>
+          <a:lstStyle/>
+          <a:p>
+            <a:pPr algn="ctr"/>
+            <a:r>
+              <a:rPr lang="en-IN" sz="1000" dirty="0"/>
+              <a:t># of Non Customer</a:t>
+            </a:r>
+          </a:p>
+        </p:txBody>
+      </p:sp>
+      <p:sp>
+        <p:nvSpPr>
+          <p:cNvPr id="44" name="TextBox 43">
+            <a:extLst>
+              <a:ext uri="{FF2B5EF4-FFF2-40B4-BE49-F238E27FC236}">
+                <a16:creationId xmlns:a16="http://schemas.microsoft.com/office/drawing/2014/main" id="{88F0FC41-5CFB-7B2B-4BFF-4615A93C98DE}"/>
+              </a:ext>
+            </a:extLst>
+          </p:cNvPr>
+          <p:cNvSpPr txBox="1"/>
+          <p:nvPr/>
+        </p:nvSpPr>
+        <p:spPr>
+          <a:xfrm>
+            <a:off x="1828793" y="4461771"/>
+            <a:ext cx="1324947" cy="276999"/>
+          </a:xfrm>
+          <a:prstGeom prst="rect">
+            <a:avLst/>
+          </a:prstGeom>
+          <a:noFill/>
+        </p:spPr>
+        <p:txBody>
+          <a:bodyPr wrap="square" rtlCol="0">
+            <a:spAutoFit/>
+          </a:bodyPr>
+          <a:lstStyle/>
+          <a:p>
+            <a:pPr algn="ctr"/>
+            <a:r>
+              <a:rPr lang="en-IN" sz="1200" dirty="0"/>
+              <a:t>64</a:t>
+            </a:r>
+          </a:p>
+        </p:txBody>
+      </p:sp>
+      <p:sp>
+        <p:nvSpPr>
+          <p:cNvPr id="45" name="TextBox 44">
+            <a:extLst>
+              <a:ext uri="{FF2B5EF4-FFF2-40B4-BE49-F238E27FC236}">
+                <a16:creationId xmlns:a16="http://schemas.microsoft.com/office/drawing/2014/main" id="{86173CCE-C0F1-00A6-A9D2-2FC2DCE37F93}"/>
+              </a:ext>
+            </a:extLst>
+          </p:cNvPr>
+          <p:cNvSpPr txBox="1"/>
+          <p:nvPr/>
+        </p:nvSpPr>
+        <p:spPr>
+          <a:xfrm>
+            <a:off x="6183086" y="2158482"/>
+            <a:ext cx="2618794" cy="2462213"/>
+          </a:xfrm>
+          <a:prstGeom prst="rect">
+            <a:avLst/>
+          </a:prstGeom>
+          <a:noFill/>
+        </p:spPr>
+        <p:txBody>
+          <a:bodyPr wrap="square" rtlCol="0">
+            <a:spAutoFit/>
+          </a:bodyPr>
+          <a:lstStyle/>
+          <a:p>
+            <a:r>
+              <a:rPr lang="en-IN" b="0" i="0" dirty="0">
+                <a:solidFill>
+                  <a:srgbClr val="444444"/>
+                </a:solidFill>
+                <a:effectLst/>
+                <a:latin typeface="Arial" panose="020B0604020202020204" pitchFamily="34" charset="0"/>
+              </a:rPr>
+              <a:t>Real-time alerts with significantly reduced false alerts, enabling security managers and business operators to act proactively to situational changes in their environment. Different dashboards for building analysis, visitor analysis can help the business based on people and objects of interest</a:t>
+            </a:r>
+            <a:endParaRPr lang="en-IN" dirty="0"/>
+          </a:p>
+        </p:txBody>
+      </p:sp>
+      <p:sp>
+        <p:nvSpPr>
+          <p:cNvPr id="48" name="Rectangle 47">
+            <a:extLst>
+              <a:ext uri="{FF2B5EF4-FFF2-40B4-BE49-F238E27FC236}">
+                <a16:creationId xmlns:a16="http://schemas.microsoft.com/office/drawing/2014/main" id="{72D4E958-AA32-126E-55B3-4BEA906747AD}"/>
+              </a:ext>
+            </a:extLst>
+          </p:cNvPr>
+          <p:cNvSpPr/>
+          <p:nvPr/>
+        </p:nvSpPr>
+        <p:spPr>
+          <a:xfrm>
+            <a:off x="3212834" y="4219474"/>
+            <a:ext cx="1324947" cy="534955"/>
+          </a:xfrm>
+          <a:prstGeom prst="rect">
+            <a:avLst/>
+          </a:prstGeom>
+          <a:solidFill>
+            <a:schemeClr val="bg1"/>
+          </a:solidFill>
+          <a:ln>
+            <a:noFill/>
+          </a:ln>
+        </p:spPr>
+        <p:style>
+          <a:lnRef idx="2">
+            <a:schemeClr val="accent1">
+              <a:shade val="50000"/>
+            </a:schemeClr>
+          </a:lnRef>
+          <a:fillRef idx="1">
+            <a:schemeClr val="accent1"/>
+          </a:fillRef>
+          <a:effectRef idx="0">
+            <a:schemeClr val="accent1"/>
+          </a:effectRef>
+          <a:fontRef idx="minor">
+            <a:schemeClr val="lt1"/>
+          </a:fontRef>
+        </p:style>
+        <p:txBody>
+          <a:bodyPr rtlCol="0" anchor="ctr"/>
+          <a:lstStyle/>
+          <a:p>
+            <a:pPr algn="ctr"/>
+            <a:endParaRPr lang="en-IN"/>
+          </a:p>
+        </p:txBody>
+      </p:sp>
+      <p:sp>
+        <p:nvSpPr>
+          <p:cNvPr id="49" name="TextBox 48">
+            <a:extLst>
+              <a:ext uri="{FF2B5EF4-FFF2-40B4-BE49-F238E27FC236}">
+                <a16:creationId xmlns:a16="http://schemas.microsoft.com/office/drawing/2014/main" id="{47E8B575-46D2-A30B-F6E3-3A895E6F8595}"/>
+              </a:ext>
+            </a:extLst>
+          </p:cNvPr>
+          <p:cNvSpPr txBox="1"/>
+          <p:nvPr/>
+        </p:nvSpPr>
+        <p:spPr>
+          <a:xfrm>
+            <a:off x="3131969" y="4240730"/>
+            <a:ext cx="1480451" cy="246221"/>
+          </a:xfrm>
+          <a:prstGeom prst="rect">
+            <a:avLst/>
+          </a:prstGeom>
+          <a:noFill/>
+        </p:spPr>
+        <p:txBody>
+          <a:bodyPr wrap="square" rtlCol="0">
+            <a:spAutoFit/>
+          </a:bodyPr>
+          <a:lstStyle/>
+          <a:p>
+            <a:pPr algn="ctr"/>
+            <a:r>
+              <a:rPr lang="en-IN" sz="1000" dirty="0"/>
+              <a:t>Up Time Camera Hr</a:t>
+            </a:r>
+          </a:p>
+        </p:txBody>
+      </p:sp>
+      <p:sp>
+        <p:nvSpPr>
+          <p:cNvPr id="50" name="TextBox 49">
+            <a:extLst>
+              <a:ext uri="{FF2B5EF4-FFF2-40B4-BE49-F238E27FC236}">
+                <a16:creationId xmlns:a16="http://schemas.microsoft.com/office/drawing/2014/main" id="{3BA5024C-09FA-3ED8-75E2-0785C9772D4C}"/>
+              </a:ext>
+            </a:extLst>
+          </p:cNvPr>
+          <p:cNvSpPr txBox="1"/>
+          <p:nvPr/>
+        </p:nvSpPr>
+        <p:spPr>
+          <a:xfrm>
+            <a:off x="3212832" y="4464792"/>
+            <a:ext cx="1324947" cy="276999"/>
+          </a:xfrm>
+          <a:prstGeom prst="rect">
+            <a:avLst/>
+          </a:prstGeom>
+          <a:noFill/>
+        </p:spPr>
+        <p:txBody>
+          <a:bodyPr wrap="square" rtlCol="0">
+            <a:spAutoFit/>
+          </a:bodyPr>
+          <a:lstStyle/>
+          <a:p>
+            <a:pPr algn="ctr"/>
+            <a:r>
+              <a:rPr lang="en-IN" sz="1200" dirty="0"/>
+              <a:t>22</a:t>
+            </a:r>
+          </a:p>
+        </p:txBody>
+      </p:sp>
+      <p:sp>
+        <p:nvSpPr>
+          <p:cNvPr id="51" name="Rectangle 50">
+            <a:extLst>
+              <a:ext uri="{FF2B5EF4-FFF2-40B4-BE49-F238E27FC236}">
+                <a16:creationId xmlns:a16="http://schemas.microsoft.com/office/drawing/2014/main" id="{F0DE7678-BEB6-C4A0-6549-281934F400E5}"/>
+              </a:ext>
+            </a:extLst>
+          </p:cNvPr>
+          <p:cNvSpPr/>
+          <p:nvPr/>
+        </p:nvSpPr>
+        <p:spPr>
+          <a:xfrm>
+            <a:off x="4621751" y="4217233"/>
+            <a:ext cx="1324947" cy="534955"/>
+          </a:xfrm>
+          <a:prstGeom prst="rect">
+            <a:avLst/>
+          </a:prstGeom>
+          <a:solidFill>
+            <a:schemeClr val="bg1"/>
+          </a:solidFill>
+          <a:ln>
+            <a:noFill/>
+          </a:ln>
+        </p:spPr>
+        <p:style>
+          <a:lnRef idx="2">
+            <a:schemeClr val="accent1">
+              <a:shade val="50000"/>
+            </a:schemeClr>
+          </a:lnRef>
+          <a:fillRef idx="1">
+            <a:schemeClr val="accent1"/>
+          </a:fillRef>
+          <a:effectRef idx="0">
+            <a:schemeClr val="accent1"/>
+          </a:effectRef>
+          <a:fontRef idx="minor">
+            <a:schemeClr val="lt1"/>
+          </a:fontRef>
+        </p:style>
+        <p:txBody>
+          <a:bodyPr rtlCol="0" anchor="ctr"/>
+          <a:lstStyle/>
+          <a:p>
+            <a:pPr algn="ctr"/>
+            <a:endParaRPr lang="en-IN"/>
+          </a:p>
+        </p:txBody>
+      </p:sp>
+      <p:sp>
+        <p:nvSpPr>
+          <p:cNvPr id="52" name="TextBox 51">
+            <a:extLst>
+              <a:ext uri="{FF2B5EF4-FFF2-40B4-BE49-F238E27FC236}">
+                <a16:creationId xmlns:a16="http://schemas.microsoft.com/office/drawing/2014/main" id="{07ACAE12-10F0-11E7-2CD3-96E06E26D67A}"/>
+              </a:ext>
+            </a:extLst>
+          </p:cNvPr>
+          <p:cNvSpPr txBox="1"/>
+          <p:nvPr/>
+        </p:nvSpPr>
+        <p:spPr>
+          <a:xfrm>
+            <a:off x="4540886" y="4238489"/>
+            <a:ext cx="1480451" cy="246221"/>
+          </a:xfrm>
+          <a:prstGeom prst="rect">
+            <a:avLst/>
+          </a:prstGeom>
+          <a:noFill/>
+        </p:spPr>
+        <p:txBody>
+          <a:bodyPr wrap="square" rtlCol="0">
+            <a:spAutoFit/>
+          </a:bodyPr>
+          <a:lstStyle/>
+          <a:p>
+            <a:pPr algn="ctr"/>
+            <a:r>
+              <a:rPr lang="en-IN" sz="1000" dirty="0"/>
+              <a:t>Customer </a:t>
+            </a:r>
+            <a:r>
+              <a:rPr lang="en-IN" sz="1000" dirty="0" err="1"/>
+              <a:t>Avg</a:t>
+            </a:r>
+            <a:r>
+              <a:rPr lang="en-IN" sz="1000" dirty="0"/>
+              <a:t> Min</a:t>
+            </a:r>
+          </a:p>
+        </p:txBody>
+      </p:sp>
+      <p:sp>
+        <p:nvSpPr>
+          <p:cNvPr id="53" name="TextBox 52">
+            <a:extLst>
+              <a:ext uri="{FF2B5EF4-FFF2-40B4-BE49-F238E27FC236}">
+                <a16:creationId xmlns:a16="http://schemas.microsoft.com/office/drawing/2014/main" id="{6D654A4B-2840-B1C3-8E74-6ECF74772F2F}"/>
+              </a:ext>
+            </a:extLst>
+          </p:cNvPr>
+          <p:cNvSpPr txBox="1"/>
+          <p:nvPr/>
+        </p:nvSpPr>
+        <p:spPr>
+          <a:xfrm>
+            <a:off x="4621749" y="4462551"/>
+            <a:ext cx="1324947" cy="276999"/>
+          </a:xfrm>
+          <a:prstGeom prst="rect">
+            <a:avLst/>
+          </a:prstGeom>
+          <a:noFill/>
+        </p:spPr>
+        <p:txBody>
+          <a:bodyPr wrap="square" rtlCol="0">
+            <a:spAutoFit/>
+          </a:bodyPr>
+          <a:lstStyle/>
+          <a:p>
+            <a:pPr algn="ctr"/>
+            <a:r>
+              <a:rPr lang="en-IN" sz="1200" dirty="0"/>
+              <a:t>45</a:t>
+            </a:r>
           </a:p>
         </p:txBody>
       </p:sp>
